--- a/EchoCheckPresentation.pptx
+++ b/EchoCheckPresentation.pptx
@@ -6,6 +6,7 @@
   </p:sldMasterIdLst>
   <p:sldIdLst>
     <p:sldId id="256" r:id="rId2"/>
+    <p:sldId id="257" r:id="rId3"/>
   </p:sldIdLst>
   <p:sldSz cx="12192000" cy="6858000"/>
   <p:notesSz cx="6858000" cy="9144000"/>
@@ -105,6 +106,3354 @@
     </a:lvl9pPr>
   </p:defaultTextStyle>
 </p:presentation>
+</file>
+
+<file path=ppt/diagrams/colors1.xml><?xml version="1.0" encoding="utf-8"?>
+<dgm:colorsDef xmlns:dgm="http://schemas.openxmlformats.org/drawingml/2006/diagram" xmlns:a="http://schemas.openxmlformats.org/drawingml/2006/main" uniqueId="urn:microsoft.com/office/officeart/2005/8/colors/colorful2">
+  <dgm:title val=""/>
+  <dgm:desc val=""/>
+  <dgm:catLst>
+    <dgm:cat type="colorful" pri="10200"/>
+  </dgm:catLst>
+  <dgm:styleLbl name="node0">
+    <dgm:fillClrLst meth="repeat">
+      <a:schemeClr val="accent1"/>
+    </dgm:fillClrLst>
+    <dgm:linClrLst meth="repeat">
+      <a:schemeClr val="lt1"/>
+    </dgm:linClrLst>
+    <dgm:effectClrLst/>
+    <dgm:txLinClrLst/>
+    <dgm:txFillClrLst/>
+    <dgm:txEffectClrLst/>
+  </dgm:styleLbl>
+  <dgm:styleLbl name="node1">
+    <dgm:fillClrLst>
+      <a:schemeClr val="accent2"/>
+      <a:schemeClr val="accent3"/>
+    </dgm:fillClrLst>
+    <dgm:linClrLst meth="repeat">
+      <a:schemeClr val="lt1"/>
+    </dgm:linClrLst>
+    <dgm:effectClrLst/>
+    <dgm:txLinClrLst/>
+    <dgm:txFillClrLst/>
+    <dgm:txEffectClrLst/>
+  </dgm:styleLbl>
+  <dgm:styleLbl name="alignNode1">
+    <dgm:fillClrLst>
+      <a:schemeClr val="accent2"/>
+      <a:schemeClr val="accent3"/>
+    </dgm:fillClrLst>
+    <dgm:linClrLst>
+      <a:schemeClr val="accent2"/>
+      <a:schemeClr val="accent3"/>
+    </dgm:linClrLst>
+    <dgm:effectClrLst/>
+    <dgm:txLinClrLst/>
+    <dgm:txFillClrLst/>
+    <dgm:txEffectClrLst/>
+  </dgm:styleLbl>
+  <dgm:styleLbl name="lnNode1">
+    <dgm:fillClrLst>
+      <a:schemeClr val="accent2"/>
+      <a:schemeClr val="accent3"/>
+    </dgm:fillClrLst>
+    <dgm:linClrLst meth="repeat">
+      <a:schemeClr val="lt1"/>
+    </dgm:linClrLst>
+    <dgm:effectClrLst/>
+    <dgm:txLinClrLst/>
+    <dgm:txFillClrLst/>
+    <dgm:txEffectClrLst/>
+  </dgm:styleLbl>
+  <dgm:styleLbl name="vennNode1">
+    <dgm:fillClrLst>
+      <a:schemeClr val="accent2">
+        <a:alpha val="50000"/>
+      </a:schemeClr>
+      <a:schemeClr val="accent3">
+        <a:alpha val="50000"/>
+      </a:schemeClr>
+    </dgm:fillClrLst>
+    <dgm:linClrLst meth="repeat">
+      <a:schemeClr val="lt1"/>
+    </dgm:linClrLst>
+    <dgm:effectClrLst/>
+    <dgm:txLinClrLst/>
+    <dgm:txFillClrLst/>
+    <dgm:txEffectClrLst/>
+  </dgm:styleLbl>
+  <dgm:styleLbl name="node2">
+    <dgm:fillClrLst>
+      <a:schemeClr val="accent3"/>
+    </dgm:fillClrLst>
+    <dgm:linClrLst meth="repeat">
+      <a:schemeClr val="lt1"/>
+    </dgm:linClrLst>
+    <dgm:effectClrLst/>
+    <dgm:txLinClrLst/>
+    <dgm:txFillClrLst/>
+    <dgm:txEffectClrLst/>
+  </dgm:styleLbl>
+  <dgm:styleLbl name="node3">
+    <dgm:fillClrLst>
+      <a:schemeClr val="accent4"/>
+    </dgm:fillClrLst>
+    <dgm:linClrLst meth="repeat">
+      <a:schemeClr val="lt1"/>
+    </dgm:linClrLst>
+    <dgm:effectClrLst/>
+    <dgm:txLinClrLst/>
+    <dgm:txFillClrLst/>
+    <dgm:txEffectClrLst/>
+  </dgm:styleLbl>
+  <dgm:styleLbl name="node4">
+    <dgm:fillClrLst>
+      <a:schemeClr val="accent5"/>
+    </dgm:fillClrLst>
+    <dgm:linClrLst meth="repeat">
+      <a:schemeClr val="lt1"/>
+    </dgm:linClrLst>
+    <dgm:effectClrLst/>
+    <dgm:txLinClrLst/>
+    <dgm:txFillClrLst/>
+    <dgm:txEffectClrLst/>
+  </dgm:styleLbl>
+  <dgm:styleLbl name="fgImgPlace1">
+    <dgm:fillClrLst>
+      <a:schemeClr val="accent2">
+        <a:tint val="50000"/>
+      </a:schemeClr>
+      <a:schemeClr val="accent3">
+        <a:tint val="50000"/>
+      </a:schemeClr>
+    </dgm:fillClrLst>
+    <dgm:linClrLst meth="repeat">
+      <a:schemeClr val="lt1"/>
+    </dgm:linClrLst>
+    <dgm:effectClrLst/>
+    <dgm:txLinClrLst/>
+    <dgm:txFillClrLst meth="repeat">
+      <a:schemeClr val="lt1"/>
+    </dgm:txFillClrLst>
+    <dgm:txEffectClrLst/>
+  </dgm:styleLbl>
+  <dgm:styleLbl name="alignImgPlace1">
+    <dgm:fillClrLst>
+      <a:schemeClr val="accent2">
+        <a:tint val="50000"/>
+      </a:schemeClr>
+      <a:schemeClr val="accent3">
+        <a:tint val="20000"/>
+      </a:schemeClr>
+    </dgm:fillClrLst>
+    <dgm:linClrLst meth="repeat">
+      <a:schemeClr val="lt1"/>
+    </dgm:linClrLst>
+    <dgm:effectClrLst/>
+    <dgm:txLinClrLst/>
+    <dgm:txFillClrLst meth="repeat">
+      <a:schemeClr val="lt1"/>
+    </dgm:txFillClrLst>
+    <dgm:txEffectClrLst/>
+  </dgm:styleLbl>
+  <dgm:styleLbl name="bgImgPlace1">
+    <dgm:fillClrLst>
+      <a:schemeClr val="accent2">
+        <a:tint val="50000"/>
+      </a:schemeClr>
+      <a:schemeClr val="accent3">
+        <a:tint val="20000"/>
+      </a:schemeClr>
+    </dgm:fillClrLst>
+    <dgm:linClrLst meth="repeat">
+      <a:schemeClr val="lt1"/>
+    </dgm:linClrLst>
+    <dgm:effectClrLst/>
+    <dgm:txLinClrLst/>
+    <dgm:txFillClrLst meth="repeat">
+      <a:schemeClr val="lt1"/>
+    </dgm:txFillClrLst>
+    <dgm:txEffectClrLst/>
+  </dgm:styleLbl>
+  <dgm:styleLbl name="sibTrans2D1">
+    <dgm:fillClrLst>
+      <a:schemeClr val="accent2"/>
+      <a:schemeClr val="accent3"/>
+    </dgm:fillClrLst>
+    <dgm:linClrLst meth="repeat">
+      <a:schemeClr val="lt1"/>
+    </dgm:linClrLst>
+    <dgm:effectClrLst/>
+    <dgm:txLinClrLst/>
+    <dgm:txFillClrLst/>
+    <dgm:txEffectClrLst/>
+  </dgm:styleLbl>
+  <dgm:styleLbl name="fgSibTrans2D1">
+    <dgm:fillClrLst>
+      <a:schemeClr val="accent2"/>
+      <a:schemeClr val="accent3"/>
+    </dgm:fillClrLst>
+    <dgm:linClrLst meth="repeat">
+      <a:schemeClr val="lt1"/>
+    </dgm:linClrLst>
+    <dgm:effectClrLst/>
+    <dgm:txLinClrLst/>
+    <dgm:txFillClrLst meth="repeat">
+      <a:schemeClr val="lt1"/>
+    </dgm:txFillClrLst>
+    <dgm:txEffectClrLst/>
+  </dgm:styleLbl>
+  <dgm:styleLbl name="bgSibTrans2D1">
+    <dgm:fillClrLst>
+      <a:schemeClr val="accent2"/>
+      <a:schemeClr val="accent3"/>
+    </dgm:fillClrLst>
+    <dgm:linClrLst meth="repeat">
+      <a:schemeClr val="lt1"/>
+    </dgm:linClrLst>
+    <dgm:effectClrLst/>
+    <dgm:txLinClrLst/>
+    <dgm:txFillClrLst meth="repeat">
+      <a:schemeClr val="lt1"/>
+    </dgm:txFillClrLst>
+    <dgm:txEffectClrLst/>
+  </dgm:styleLbl>
+  <dgm:styleLbl name="sibTrans1D1">
+    <dgm:fillClrLst/>
+    <dgm:linClrLst>
+      <a:schemeClr val="accent2"/>
+      <a:schemeClr val="accent3"/>
+    </dgm:linClrLst>
+    <dgm:effectClrLst/>
+    <dgm:txLinClrLst/>
+    <dgm:txFillClrLst meth="repeat">
+      <a:schemeClr val="tx1"/>
+    </dgm:txFillClrLst>
+    <dgm:txEffectClrLst/>
+  </dgm:styleLbl>
+  <dgm:styleLbl name="callout">
+    <dgm:fillClrLst meth="repeat">
+      <a:schemeClr val="accent2"/>
+    </dgm:fillClrLst>
+    <dgm:linClrLst meth="repeat">
+      <a:schemeClr val="accent2">
+        <a:tint val="50000"/>
+      </a:schemeClr>
+    </dgm:linClrLst>
+    <dgm:effectClrLst/>
+    <dgm:txLinClrLst/>
+    <dgm:txFillClrLst meth="repeat">
+      <a:schemeClr val="tx1"/>
+    </dgm:txFillClrLst>
+    <dgm:txEffectClrLst/>
+  </dgm:styleLbl>
+  <dgm:styleLbl name="asst0">
+    <dgm:fillClrLst meth="repeat">
+      <a:schemeClr val="accent2"/>
+    </dgm:fillClrLst>
+    <dgm:linClrLst meth="repeat">
+      <a:schemeClr val="lt1">
+        <a:shade val="80000"/>
+      </a:schemeClr>
+    </dgm:linClrLst>
+    <dgm:effectClrLst/>
+    <dgm:txLinClrLst/>
+    <dgm:txFillClrLst/>
+    <dgm:txEffectClrLst/>
+  </dgm:styleLbl>
+  <dgm:styleLbl name="asst1">
+    <dgm:fillClrLst meth="repeat">
+      <a:schemeClr val="accent3"/>
+    </dgm:fillClrLst>
+    <dgm:linClrLst meth="repeat">
+      <a:schemeClr val="lt1">
+        <a:shade val="80000"/>
+      </a:schemeClr>
+    </dgm:linClrLst>
+    <dgm:effectClrLst/>
+    <dgm:txLinClrLst/>
+    <dgm:txFillClrLst/>
+    <dgm:txEffectClrLst/>
+  </dgm:styleLbl>
+  <dgm:styleLbl name="asst2">
+    <dgm:fillClrLst>
+      <a:schemeClr val="accent4"/>
+    </dgm:fillClrLst>
+    <dgm:linClrLst meth="repeat">
+      <a:schemeClr val="lt1"/>
+    </dgm:linClrLst>
+    <dgm:effectClrLst/>
+    <dgm:txLinClrLst/>
+    <dgm:txFillClrLst/>
+    <dgm:txEffectClrLst/>
+  </dgm:styleLbl>
+  <dgm:styleLbl name="asst3">
+    <dgm:fillClrLst>
+      <a:schemeClr val="accent5"/>
+    </dgm:fillClrLst>
+    <dgm:linClrLst meth="repeat">
+      <a:schemeClr val="lt1"/>
+    </dgm:linClrLst>
+    <dgm:effectClrLst/>
+    <dgm:txLinClrLst/>
+    <dgm:txFillClrLst/>
+    <dgm:txEffectClrLst/>
+  </dgm:styleLbl>
+  <dgm:styleLbl name="asst4">
+    <dgm:fillClrLst>
+      <a:schemeClr val="accent6"/>
+    </dgm:fillClrLst>
+    <dgm:linClrLst meth="repeat">
+      <a:schemeClr val="lt1"/>
+    </dgm:linClrLst>
+    <dgm:effectClrLst/>
+    <dgm:txLinClrLst/>
+    <dgm:txFillClrLst/>
+    <dgm:txEffectClrLst/>
+  </dgm:styleLbl>
+  <dgm:styleLbl name="parChTrans2D1">
+    <dgm:fillClrLst meth="repeat">
+      <a:schemeClr val="accent2"/>
+    </dgm:fillClrLst>
+    <dgm:linClrLst meth="repeat">
+      <a:schemeClr val="lt1"/>
+    </dgm:linClrLst>
+    <dgm:effectClrLst/>
+    <dgm:txLinClrLst/>
+    <dgm:txFillClrLst meth="repeat">
+      <a:schemeClr val="lt1"/>
+    </dgm:txFillClrLst>
+    <dgm:txEffectClrLst/>
+  </dgm:styleLbl>
+  <dgm:styleLbl name="parChTrans2D2">
+    <dgm:fillClrLst meth="repeat">
+      <a:schemeClr val="accent3"/>
+    </dgm:fillClrLst>
+    <dgm:linClrLst meth="repeat">
+      <a:schemeClr val="lt1"/>
+    </dgm:linClrLst>
+    <dgm:effectClrLst/>
+    <dgm:txLinClrLst/>
+    <dgm:txFillClrLst/>
+    <dgm:txEffectClrLst/>
+  </dgm:styleLbl>
+  <dgm:styleLbl name="parChTrans2D3">
+    <dgm:fillClrLst meth="repeat">
+      <a:schemeClr val="accent4"/>
+    </dgm:fillClrLst>
+    <dgm:linClrLst meth="repeat">
+      <a:schemeClr val="lt1"/>
+    </dgm:linClrLst>
+    <dgm:effectClrLst/>
+    <dgm:txLinClrLst/>
+    <dgm:txFillClrLst/>
+    <dgm:txEffectClrLst/>
+  </dgm:styleLbl>
+  <dgm:styleLbl name="parChTrans2D4">
+    <dgm:fillClrLst meth="repeat">
+      <a:schemeClr val="accent5"/>
+    </dgm:fillClrLst>
+    <dgm:linClrLst meth="repeat">
+      <a:schemeClr val="lt1"/>
+    </dgm:linClrLst>
+    <dgm:effectClrLst/>
+    <dgm:txLinClrLst/>
+    <dgm:txFillClrLst meth="repeat">
+      <a:schemeClr val="lt1"/>
+    </dgm:txFillClrLst>
+    <dgm:txEffectClrLst/>
+  </dgm:styleLbl>
+  <dgm:styleLbl name="parChTrans1D1">
+    <dgm:fillClrLst meth="repeat">
+      <a:schemeClr val="accent2"/>
+    </dgm:fillClrLst>
+    <dgm:linClrLst meth="repeat">
+      <a:schemeClr val="accent2"/>
+    </dgm:linClrLst>
+    <dgm:effectClrLst/>
+    <dgm:txLinClrLst/>
+    <dgm:txFillClrLst meth="repeat">
+      <a:schemeClr val="tx1"/>
+    </dgm:txFillClrLst>
+    <dgm:txEffectClrLst/>
+  </dgm:styleLbl>
+  <dgm:styleLbl name="parChTrans1D2">
+    <dgm:fillClrLst meth="repeat">
+      <a:schemeClr val="accent2">
+        <a:tint val="90000"/>
+      </a:schemeClr>
+    </dgm:fillClrLst>
+    <dgm:linClrLst meth="repeat">
+      <a:schemeClr val="accent3"/>
+    </dgm:linClrLst>
+    <dgm:effectClrLst/>
+    <dgm:txLinClrLst/>
+    <dgm:txFillClrLst meth="repeat">
+      <a:schemeClr val="tx1"/>
+    </dgm:txFillClrLst>
+    <dgm:txEffectClrLst/>
+  </dgm:styleLbl>
+  <dgm:styleLbl name="parChTrans1D3">
+    <dgm:fillClrLst meth="repeat">
+      <a:schemeClr val="accent2">
+        <a:tint val="70000"/>
+      </a:schemeClr>
+    </dgm:fillClrLst>
+    <dgm:linClrLst meth="repeat">
+      <a:schemeClr val="accent4"/>
+    </dgm:linClrLst>
+    <dgm:effectClrLst/>
+    <dgm:txLinClrLst/>
+    <dgm:txFillClrLst meth="repeat">
+      <a:schemeClr val="tx1"/>
+    </dgm:txFillClrLst>
+    <dgm:txEffectClrLst/>
+  </dgm:styleLbl>
+  <dgm:styleLbl name="parChTrans1D4">
+    <dgm:fillClrLst meth="repeat">
+      <a:schemeClr val="accent2">
+        <a:tint val="50000"/>
+      </a:schemeClr>
+    </dgm:fillClrLst>
+    <dgm:linClrLst meth="repeat">
+      <a:schemeClr val="accent5"/>
+    </dgm:linClrLst>
+    <dgm:effectClrLst/>
+    <dgm:txLinClrLst/>
+    <dgm:txFillClrLst meth="repeat">
+      <a:schemeClr val="tx1"/>
+    </dgm:txFillClrLst>
+    <dgm:txEffectClrLst/>
+  </dgm:styleLbl>
+  <dgm:styleLbl name="fgAcc1">
+    <dgm:fillClrLst meth="repeat">
+      <a:schemeClr val="lt1">
+        <a:alpha val="90000"/>
+      </a:schemeClr>
+    </dgm:fillClrLst>
+    <dgm:linClrLst>
+      <a:schemeClr val="accent2"/>
+      <a:schemeClr val="accent3"/>
+    </dgm:linClrLst>
+    <dgm:effectClrLst/>
+    <dgm:txLinClrLst/>
+    <dgm:txFillClrLst meth="repeat">
+      <a:schemeClr val="dk1"/>
+    </dgm:txFillClrLst>
+    <dgm:txEffectClrLst/>
+  </dgm:styleLbl>
+  <dgm:styleLbl name="conFgAcc1">
+    <dgm:fillClrLst meth="repeat">
+      <a:schemeClr val="lt1">
+        <a:alpha val="90000"/>
+      </a:schemeClr>
+    </dgm:fillClrLst>
+    <dgm:linClrLst>
+      <a:schemeClr val="accent2"/>
+      <a:schemeClr val="accent3"/>
+    </dgm:linClrLst>
+    <dgm:effectClrLst/>
+    <dgm:txLinClrLst/>
+    <dgm:txFillClrLst meth="repeat">
+      <a:schemeClr val="dk1"/>
+    </dgm:txFillClrLst>
+    <dgm:txEffectClrLst/>
+  </dgm:styleLbl>
+  <dgm:styleLbl name="alignAcc1">
+    <dgm:fillClrLst meth="repeat">
+      <a:schemeClr val="lt1">
+        <a:alpha val="90000"/>
+      </a:schemeClr>
+    </dgm:fillClrLst>
+    <dgm:linClrLst>
+      <a:schemeClr val="accent2"/>
+      <a:schemeClr val="accent3"/>
+    </dgm:linClrLst>
+    <dgm:effectClrLst/>
+    <dgm:txLinClrLst/>
+    <dgm:txFillClrLst meth="repeat">
+      <a:schemeClr val="dk1"/>
+    </dgm:txFillClrLst>
+    <dgm:txEffectClrLst/>
+  </dgm:styleLbl>
+  <dgm:styleLbl name="trAlignAcc1">
+    <dgm:fillClrLst meth="repeat">
+      <a:schemeClr val="lt1">
+        <a:alpha val="40000"/>
+      </a:schemeClr>
+    </dgm:fillClrLst>
+    <dgm:linClrLst meth="repeat">
+      <a:schemeClr val="accent2"/>
+    </dgm:linClrLst>
+    <dgm:effectClrLst/>
+    <dgm:txLinClrLst/>
+    <dgm:txFillClrLst meth="repeat">
+      <a:schemeClr val="dk1"/>
+    </dgm:txFillClrLst>
+    <dgm:txEffectClrLst/>
+  </dgm:styleLbl>
+  <dgm:styleLbl name="bgAcc1">
+    <dgm:fillClrLst meth="repeat">
+      <a:schemeClr val="lt1">
+        <a:alpha val="90000"/>
+      </a:schemeClr>
+    </dgm:fillClrLst>
+    <dgm:linClrLst>
+      <a:schemeClr val="accent2"/>
+      <a:schemeClr val="accent3"/>
+    </dgm:linClrLst>
+    <dgm:effectClrLst/>
+    <dgm:txLinClrLst/>
+    <dgm:txFillClrLst meth="repeat">
+      <a:schemeClr val="dk1"/>
+    </dgm:txFillClrLst>
+    <dgm:txEffectClrLst/>
+  </dgm:styleLbl>
+  <dgm:styleLbl name="solidFgAcc1">
+    <dgm:fillClrLst meth="repeat">
+      <a:schemeClr val="lt1"/>
+    </dgm:fillClrLst>
+    <dgm:linClrLst>
+      <a:schemeClr val="accent2"/>
+      <a:schemeClr val="accent3"/>
+    </dgm:linClrLst>
+    <dgm:effectClrLst/>
+    <dgm:txLinClrLst/>
+    <dgm:txFillClrLst meth="repeat">
+      <a:schemeClr val="dk1"/>
+    </dgm:txFillClrLst>
+    <dgm:txEffectClrLst/>
+  </dgm:styleLbl>
+  <dgm:styleLbl name="solidAlignAcc1">
+    <dgm:fillClrLst meth="repeat">
+      <a:schemeClr val="lt1"/>
+    </dgm:fillClrLst>
+    <dgm:linClrLst>
+      <a:schemeClr val="accent2"/>
+      <a:schemeClr val="accent3"/>
+    </dgm:linClrLst>
+    <dgm:effectClrLst/>
+    <dgm:txLinClrLst/>
+    <dgm:txFillClrLst meth="repeat">
+      <a:schemeClr val="dk1"/>
+    </dgm:txFillClrLst>
+    <dgm:txEffectClrLst/>
+  </dgm:styleLbl>
+  <dgm:styleLbl name="solidBgAcc1">
+    <dgm:fillClrLst meth="repeat">
+      <a:schemeClr val="lt1"/>
+    </dgm:fillClrLst>
+    <dgm:linClrLst>
+      <a:schemeClr val="accent2"/>
+      <a:schemeClr val="accent3"/>
+    </dgm:linClrLst>
+    <dgm:effectClrLst/>
+    <dgm:txLinClrLst/>
+    <dgm:txFillClrLst meth="repeat">
+      <a:schemeClr val="dk1"/>
+    </dgm:txFillClrLst>
+    <dgm:txEffectClrLst/>
+  </dgm:styleLbl>
+  <dgm:styleLbl name="fgAccFollowNode1">
+    <dgm:fillClrLst>
+      <a:schemeClr val="accent2">
+        <a:tint val="40000"/>
+        <a:alpha val="90000"/>
+      </a:schemeClr>
+      <a:schemeClr val="accent3">
+        <a:tint val="40000"/>
+        <a:alpha val="90000"/>
+      </a:schemeClr>
+    </dgm:fillClrLst>
+    <dgm:linClrLst>
+      <a:schemeClr val="accent2">
+        <a:tint val="40000"/>
+        <a:alpha val="90000"/>
+      </a:schemeClr>
+      <a:schemeClr val="accent3">
+        <a:tint val="40000"/>
+        <a:alpha val="90000"/>
+      </a:schemeClr>
+    </dgm:linClrLst>
+    <dgm:effectClrLst/>
+    <dgm:txLinClrLst/>
+    <dgm:txFillClrLst meth="repeat">
+      <a:schemeClr val="dk1"/>
+    </dgm:txFillClrLst>
+    <dgm:txEffectClrLst/>
+  </dgm:styleLbl>
+  <dgm:styleLbl name="alignAccFollowNode1">
+    <dgm:fillClrLst>
+      <a:schemeClr val="accent2">
+        <a:tint val="40000"/>
+        <a:alpha val="90000"/>
+      </a:schemeClr>
+      <a:schemeClr val="accent3">
+        <a:tint val="40000"/>
+        <a:alpha val="90000"/>
+      </a:schemeClr>
+    </dgm:fillClrLst>
+    <dgm:linClrLst>
+      <a:schemeClr val="accent2">
+        <a:tint val="40000"/>
+        <a:alpha val="90000"/>
+      </a:schemeClr>
+      <a:schemeClr val="accent3">
+        <a:tint val="40000"/>
+        <a:alpha val="90000"/>
+      </a:schemeClr>
+    </dgm:linClrLst>
+    <dgm:effectClrLst/>
+    <dgm:txLinClrLst/>
+    <dgm:txFillClrLst meth="repeat">
+      <a:schemeClr val="dk1"/>
+    </dgm:txFillClrLst>
+    <dgm:txEffectClrLst/>
+  </dgm:styleLbl>
+  <dgm:styleLbl name="bgAccFollowNode1">
+    <dgm:fillClrLst>
+      <a:schemeClr val="accent2">
+        <a:tint val="40000"/>
+        <a:alpha val="90000"/>
+      </a:schemeClr>
+      <a:schemeClr val="accent3">
+        <a:tint val="40000"/>
+        <a:alpha val="90000"/>
+      </a:schemeClr>
+    </dgm:fillClrLst>
+    <dgm:linClrLst>
+      <a:schemeClr val="accent2">
+        <a:tint val="40000"/>
+        <a:alpha val="90000"/>
+      </a:schemeClr>
+      <a:schemeClr val="accent3">
+        <a:tint val="40000"/>
+        <a:alpha val="90000"/>
+      </a:schemeClr>
+    </dgm:linClrLst>
+    <dgm:effectClrLst/>
+    <dgm:txLinClrLst/>
+    <dgm:txFillClrLst meth="repeat">
+      <a:schemeClr val="dk1"/>
+    </dgm:txFillClrLst>
+    <dgm:txEffectClrLst/>
+  </dgm:styleLbl>
+  <dgm:styleLbl name="fgAcc0">
+    <dgm:fillClrLst meth="repeat">
+      <a:schemeClr val="lt1">
+        <a:alpha val="90000"/>
+      </a:schemeClr>
+    </dgm:fillClrLst>
+    <dgm:linClrLst>
+      <a:schemeClr val="accent1"/>
+    </dgm:linClrLst>
+    <dgm:effectClrLst/>
+    <dgm:txLinClrLst/>
+    <dgm:txFillClrLst meth="repeat">
+      <a:schemeClr val="dk1"/>
+    </dgm:txFillClrLst>
+    <dgm:txEffectClrLst/>
+  </dgm:styleLbl>
+  <dgm:styleLbl name="fgAcc2">
+    <dgm:fillClrLst meth="repeat">
+      <a:schemeClr val="lt1">
+        <a:alpha val="90000"/>
+      </a:schemeClr>
+    </dgm:fillClrLst>
+    <dgm:linClrLst>
+      <a:schemeClr val="accent3"/>
+    </dgm:linClrLst>
+    <dgm:effectClrLst/>
+    <dgm:txLinClrLst/>
+    <dgm:txFillClrLst meth="repeat">
+      <a:schemeClr val="dk1"/>
+    </dgm:txFillClrLst>
+    <dgm:txEffectClrLst/>
+  </dgm:styleLbl>
+  <dgm:styleLbl name="fgAcc3">
+    <dgm:fillClrLst meth="repeat">
+      <a:schemeClr val="lt1">
+        <a:alpha val="90000"/>
+      </a:schemeClr>
+    </dgm:fillClrLst>
+    <dgm:linClrLst>
+      <a:schemeClr val="accent4"/>
+    </dgm:linClrLst>
+    <dgm:effectClrLst/>
+    <dgm:txLinClrLst/>
+    <dgm:txFillClrLst meth="repeat">
+      <a:schemeClr val="dk1"/>
+    </dgm:txFillClrLst>
+    <dgm:txEffectClrLst/>
+  </dgm:styleLbl>
+  <dgm:styleLbl name="fgAcc4">
+    <dgm:fillClrLst meth="repeat">
+      <a:schemeClr val="lt1">
+        <a:alpha val="90000"/>
+      </a:schemeClr>
+    </dgm:fillClrLst>
+    <dgm:linClrLst>
+      <a:schemeClr val="accent5"/>
+    </dgm:linClrLst>
+    <dgm:effectClrLst/>
+    <dgm:txLinClrLst/>
+    <dgm:txFillClrLst meth="repeat">
+      <a:schemeClr val="dk1"/>
+    </dgm:txFillClrLst>
+    <dgm:txEffectClrLst/>
+  </dgm:styleLbl>
+  <dgm:styleLbl name="bgShp">
+    <dgm:fillClrLst meth="repeat">
+      <a:schemeClr val="accent2">
+        <a:tint val="40000"/>
+      </a:schemeClr>
+    </dgm:fillClrLst>
+    <dgm:linClrLst meth="repeat">
+      <a:schemeClr val="dk1"/>
+    </dgm:linClrLst>
+    <dgm:effectClrLst/>
+    <dgm:txLinClrLst/>
+    <dgm:txFillClrLst meth="repeat">
+      <a:schemeClr val="dk1"/>
+    </dgm:txFillClrLst>
+    <dgm:txEffectClrLst/>
+  </dgm:styleLbl>
+  <dgm:styleLbl name="dkBgShp">
+    <dgm:fillClrLst meth="repeat">
+      <a:schemeClr val="accent2">
+        <a:shade val="90000"/>
+      </a:schemeClr>
+    </dgm:fillClrLst>
+    <dgm:linClrLst meth="repeat">
+      <a:schemeClr val="dk1"/>
+    </dgm:linClrLst>
+    <dgm:effectClrLst/>
+    <dgm:txLinClrLst/>
+    <dgm:txFillClrLst meth="repeat">
+      <a:schemeClr val="lt1"/>
+    </dgm:txFillClrLst>
+    <dgm:txEffectClrLst/>
+  </dgm:styleLbl>
+  <dgm:styleLbl name="trBgShp">
+    <dgm:fillClrLst meth="repeat">
+      <a:schemeClr val="accent2">
+        <a:tint val="50000"/>
+        <a:alpha val="40000"/>
+      </a:schemeClr>
+    </dgm:fillClrLst>
+    <dgm:linClrLst meth="repeat">
+      <a:schemeClr val="accent2"/>
+    </dgm:linClrLst>
+    <dgm:effectClrLst/>
+    <dgm:txLinClrLst/>
+    <dgm:txFillClrLst meth="repeat">
+      <a:schemeClr val="lt1"/>
+    </dgm:txFillClrLst>
+    <dgm:txEffectClrLst/>
+  </dgm:styleLbl>
+  <dgm:styleLbl name="fgShp">
+    <dgm:fillClrLst meth="repeat">
+      <a:schemeClr val="accent2">
+        <a:tint val="40000"/>
+      </a:schemeClr>
+    </dgm:fillClrLst>
+    <dgm:linClrLst meth="repeat">
+      <a:schemeClr val="lt1"/>
+    </dgm:linClrLst>
+    <dgm:effectClrLst/>
+    <dgm:txLinClrLst/>
+    <dgm:txFillClrLst meth="repeat">
+      <a:schemeClr val="dk1"/>
+    </dgm:txFillClrLst>
+    <dgm:txEffectClrLst/>
+  </dgm:styleLbl>
+  <dgm:styleLbl name="revTx">
+    <dgm:fillClrLst meth="repeat">
+      <a:schemeClr val="lt1">
+        <a:alpha val="0"/>
+      </a:schemeClr>
+    </dgm:fillClrLst>
+    <dgm:linClrLst meth="repeat">
+      <a:schemeClr val="dk1">
+        <a:alpha val="0"/>
+      </a:schemeClr>
+    </dgm:linClrLst>
+    <dgm:effectClrLst/>
+    <dgm:txLinClrLst/>
+    <dgm:txFillClrLst meth="repeat">
+      <a:schemeClr val="tx1"/>
+    </dgm:txFillClrLst>
+    <dgm:txEffectClrLst/>
+  </dgm:styleLbl>
+</dgm:colorsDef>
+</file>
+
+<file path=ppt/diagrams/data1.xml><?xml version="1.0" encoding="utf-8"?>
+<dgm:dataModel xmlns:dgm="http://schemas.openxmlformats.org/drawingml/2006/diagram" xmlns:a="http://schemas.openxmlformats.org/drawingml/2006/main">
+  <dgm:ptLst>
+    <dgm:pt modelId="{8E7A8DC6-2341-44B2-966E-8353FE7A7640}" type="doc">
+      <dgm:prSet loTypeId="urn:microsoft.com/office/officeart/2008/layout/LinedList" loCatId="list" qsTypeId="urn:microsoft.com/office/officeart/2005/8/quickstyle/simple1" qsCatId="simple" csTypeId="urn:microsoft.com/office/officeart/2005/8/colors/colorful2" csCatId="colorful" phldr="1"/>
+      <dgm:spPr/>
+      <dgm:t>
+        <a:bodyPr/>
+        <a:lstStyle/>
+        <a:p>
+          <a:endParaRPr lang="en-US"/>
+        </a:p>
+      </dgm:t>
+    </dgm:pt>
+    <dgm:pt modelId="{0717813E-52A6-4AEB-804F-F3BA59DAE2E0}">
+      <dgm:prSet/>
+      <dgm:spPr/>
+      <dgm:t>
+        <a:bodyPr/>
+        <a:lstStyle/>
+        <a:p>
+          <a:r>
+            <a:rPr lang="en-US"/>
+            <a:t>AI can be biased.</a:t>
+          </a:r>
+        </a:p>
+      </dgm:t>
+    </dgm:pt>
+    <dgm:pt modelId="{E53190BA-4C6C-4763-BB96-7D0B867535D2}" type="parTrans" cxnId="{2DD2F84A-5DCA-4880-BF46-16034E744CC3}">
+      <dgm:prSet/>
+      <dgm:spPr/>
+      <dgm:t>
+        <a:bodyPr/>
+        <a:lstStyle/>
+        <a:p>
+          <a:endParaRPr lang="en-US"/>
+        </a:p>
+      </dgm:t>
+    </dgm:pt>
+    <dgm:pt modelId="{DF5F2AE3-DADE-4237-A53B-DF946E14C581}" type="sibTrans" cxnId="{2DD2F84A-5DCA-4880-BF46-16034E744CC3}">
+      <dgm:prSet/>
+      <dgm:spPr/>
+      <dgm:t>
+        <a:bodyPr/>
+        <a:lstStyle/>
+        <a:p>
+          <a:endParaRPr lang="en-US"/>
+        </a:p>
+      </dgm:t>
+    </dgm:pt>
+    <dgm:pt modelId="{A3F3CB08-8C98-4BBB-B9F7-FB373F2DFEAE}">
+      <dgm:prSet/>
+      <dgm:spPr/>
+      <dgm:t>
+        <a:bodyPr/>
+        <a:lstStyle/>
+        <a:p>
+          <a:r>
+            <a:rPr lang="en-US" dirty="0" err="1"/>
+            <a:t>EchoCheck</a:t>
+          </a:r>
+          <a:r>
+            <a:rPr lang="en-US" dirty="0"/>
+            <a:t> tests AI’s perception of minority groups.</a:t>
+          </a:r>
+        </a:p>
+      </dgm:t>
+    </dgm:pt>
+    <dgm:pt modelId="{AF4891B4-88F4-40A9-AF29-E301EF9DFEEF}" type="parTrans" cxnId="{2B3D0CB3-C4B2-41ED-B797-6CC8EF8E353B}">
+      <dgm:prSet/>
+      <dgm:spPr/>
+      <dgm:t>
+        <a:bodyPr/>
+        <a:lstStyle/>
+        <a:p>
+          <a:endParaRPr lang="en-US"/>
+        </a:p>
+      </dgm:t>
+    </dgm:pt>
+    <dgm:pt modelId="{A7DCEB09-B43A-4100-99A8-F56F589D6100}" type="sibTrans" cxnId="{2B3D0CB3-C4B2-41ED-B797-6CC8EF8E353B}">
+      <dgm:prSet/>
+      <dgm:spPr/>
+      <dgm:t>
+        <a:bodyPr/>
+        <a:lstStyle/>
+        <a:p>
+          <a:endParaRPr lang="en-US"/>
+        </a:p>
+      </dgm:t>
+    </dgm:pt>
+    <dgm:pt modelId="{26D50F97-ECFC-4FF1-9494-7093C6D6599D}">
+      <dgm:prSet/>
+      <dgm:spPr/>
+      <dgm:t>
+        <a:bodyPr/>
+        <a:lstStyle/>
+        <a:p>
+          <a:r>
+            <a:rPr lang="en-US" dirty="0"/>
+            <a:t>Shows color-coded scores for each model.</a:t>
+          </a:r>
+        </a:p>
+      </dgm:t>
+    </dgm:pt>
+    <dgm:pt modelId="{92AFFEB1-19D4-4FDC-BB32-559DAA4CC2E8}" type="parTrans" cxnId="{BC83B8D9-5A54-4CE1-8B4F-A140672A60B6}">
+      <dgm:prSet/>
+      <dgm:spPr/>
+      <dgm:t>
+        <a:bodyPr/>
+        <a:lstStyle/>
+        <a:p>
+          <a:endParaRPr lang="en-US"/>
+        </a:p>
+      </dgm:t>
+    </dgm:pt>
+    <dgm:pt modelId="{1EBE9D30-3368-404B-A050-C4D44A3B3B6A}" type="sibTrans" cxnId="{BC83B8D9-5A54-4CE1-8B4F-A140672A60B6}">
+      <dgm:prSet/>
+      <dgm:spPr/>
+      <dgm:t>
+        <a:bodyPr/>
+        <a:lstStyle/>
+        <a:p>
+          <a:endParaRPr lang="en-US"/>
+        </a:p>
+      </dgm:t>
+    </dgm:pt>
+    <dgm:pt modelId="{E3AB7B63-C03E-44B6-B821-4AE55793873F}">
+      <dgm:prSet/>
+      <dgm:spPr/>
+      <dgm:t>
+        <a:bodyPr/>
+        <a:lstStyle/>
+        <a:p>
+          <a:r>
+            <a:rPr lang="en-US" dirty="0"/>
+            <a:t>Switch between communities.</a:t>
+          </a:r>
+        </a:p>
+      </dgm:t>
+    </dgm:pt>
+    <dgm:pt modelId="{E7A5B3BB-F35B-4DD9-A25D-E999B92B42D4}" type="parTrans" cxnId="{8D560B05-38C0-4665-A783-344FD4A992F1}">
+      <dgm:prSet/>
+      <dgm:spPr/>
+      <dgm:t>
+        <a:bodyPr/>
+        <a:lstStyle/>
+        <a:p>
+          <a:endParaRPr lang="en-US"/>
+        </a:p>
+      </dgm:t>
+    </dgm:pt>
+    <dgm:pt modelId="{866FCA53-D264-4E08-9428-8DDADA490887}" type="sibTrans" cxnId="{8D560B05-38C0-4665-A783-344FD4A992F1}">
+      <dgm:prSet/>
+      <dgm:spPr/>
+      <dgm:t>
+        <a:bodyPr/>
+        <a:lstStyle/>
+        <a:p>
+          <a:endParaRPr lang="en-US"/>
+        </a:p>
+      </dgm:t>
+    </dgm:pt>
+    <dgm:pt modelId="{16585120-8332-4329-A4CE-57680F48FAFA}">
+      <dgm:prSet/>
+      <dgm:spPr/>
+      <dgm:t>
+        <a:bodyPr/>
+        <a:lstStyle/>
+        <a:p>
+          <a:r>
+            <a:rPr lang="en-US" dirty="0"/>
+            <a:t>Reveals bias, pushes for fairness and equity in technology.</a:t>
+          </a:r>
+        </a:p>
+      </dgm:t>
+    </dgm:pt>
+    <dgm:pt modelId="{F32AF81B-577F-4525-B484-A8B287573DBC}" type="parTrans" cxnId="{2D867070-3FBC-498C-83E6-08E12CE2DCBA}">
+      <dgm:prSet/>
+      <dgm:spPr/>
+      <dgm:t>
+        <a:bodyPr/>
+        <a:lstStyle/>
+        <a:p>
+          <a:endParaRPr lang="en-US"/>
+        </a:p>
+      </dgm:t>
+    </dgm:pt>
+    <dgm:pt modelId="{5C544C13-EF56-4E2E-94B9-750E18EB8A3B}" type="sibTrans" cxnId="{2D867070-3FBC-498C-83E6-08E12CE2DCBA}">
+      <dgm:prSet/>
+      <dgm:spPr/>
+      <dgm:t>
+        <a:bodyPr/>
+        <a:lstStyle/>
+        <a:p>
+          <a:endParaRPr lang="en-US"/>
+        </a:p>
+      </dgm:t>
+    </dgm:pt>
+    <dgm:pt modelId="{CFE34452-D01A-4080-976F-79B09032D423}">
+      <dgm:prSet/>
+      <dgm:spPr/>
+      <dgm:t>
+        <a:bodyPr/>
+        <a:lstStyle/>
+        <a:p>
+          <a:r>
+            <a:rPr lang="en-US"/>
+            <a:t>Let’s see the demo.</a:t>
+          </a:r>
+        </a:p>
+      </dgm:t>
+    </dgm:pt>
+    <dgm:pt modelId="{A7B76F28-9FB1-4F5C-B640-E70F4289E0F2}" type="parTrans" cxnId="{B514B930-35DA-4982-9191-502C958B2752}">
+      <dgm:prSet/>
+      <dgm:spPr/>
+      <dgm:t>
+        <a:bodyPr/>
+        <a:lstStyle/>
+        <a:p>
+          <a:endParaRPr lang="en-US"/>
+        </a:p>
+      </dgm:t>
+    </dgm:pt>
+    <dgm:pt modelId="{823AE313-D8D1-46A2-928A-FA004243A06B}" type="sibTrans" cxnId="{B514B930-35DA-4982-9191-502C958B2752}">
+      <dgm:prSet/>
+      <dgm:spPr/>
+      <dgm:t>
+        <a:bodyPr/>
+        <a:lstStyle/>
+        <a:p>
+          <a:endParaRPr lang="en-US"/>
+        </a:p>
+      </dgm:t>
+    </dgm:pt>
+    <dgm:pt modelId="{C64459BA-3DE6-4576-9450-5493BEDC3533}" type="pres">
+      <dgm:prSet presAssocID="{8E7A8DC6-2341-44B2-966E-8353FE7A7640}" presName="vert0" presStyleCnt="0">
+        <dgm:presLayoutVars>
+          <dgm:dir/>
+          <dgm:animOne val="branch"/>
+          <dgm:animLvl val="lvl"/>
+        </dgm:presLayoutVars>
+      </dgm:prSet>
+      <dgm:spPr/>
+    </dgm:pt>
+    <dgm:pt modelId="{4EAFA18D-5A3F-4698-8489-D3818C8F9528}" type="pres">
+      <dgm:prSet presAssocID="{0717813E-52A6-4AEB-804F-F3BA59DAE2E0}" presName="thickLine" presStyleLbl="alignNode1" presStyleIdx="0" presStyleCnt="6"/>
+      <dgm:spPr/>
+    </dgm:pt>
+    <dgm:pt modelId="{ACA31446-B032-4651-AD3F-954F7FF328A6}" type="pres">
+      <dgm:prSet presAssocID="{0717813E-52A6-4AEB-804F-F3BA59DAE2E0}" presName="horz1" presStyleCnt="0"/>
+      <dgm:spPr/>
+    </dgm:pt>
+    <dgm:pt modelId="{B55DD35C-8455-4B29-B56C-854057B0B0D8}" type="pres">
+      <dgm:prSet presAssocID="{0717813E-52A6-4AEB-804F-F3BA59DAE2E0}" presName="tx1" presStyleLbl="revTx" presStyleIdx="0" presStyleCnt="6"/>
+      <dgm:spPr/>
+    </dgm:pt>
+    <dgm:pt modelId="{A719EE41-7234-4B49-B40F-1C2F64C7DF75}" type="pres">
+      <dgm:prSet presAssocID="{0717813E-52A6-4AEB-804F-F3BA59DAE2E0}" presName="vert1" presStyleCnt="0"/>
+      <dgm:spPr/>
+    </dgm:pt>
+    <dgm:pt modelId="{67A7DEAB-4B48-4196-A1F7-544A1D46F22E}" type="pres">
+      <dgm:prSet presAssocID="{A3F3CB08-8C98-4BBB-B9F7-FB373F2DFEAE}" presName="thickLine" presStyleLbl="alignNode1" presStyleIdx="1" presStyleCnt="6"/>
+      <dgm:spPr/>
+    </dgm:pt>
+    <dgm:pt modelId="{799C6760-1891-4F76-B673-57CCAB75960C}" type="pres">
+      <dgm:prSet presAssocID="{A3F3CB08-8C98-4BBB-B9F7-FB373F2DFEAE}" presName="horz1" presStyleCnt="0"/>
+      <dgm:spPr/>
+    </dgm:pt>
+    <dgm:pt modelId="{6F2E86FF-8FCD-45FC-940E-1798FD26A9C4}" type="pres">
+      <dgm:prSet presAssocID="{A3F3CB08-8C98-4BBB-B9F7-FB373F2DFEAE}" presName="tx1" presStyleLbl="revTx" presStyleIdx="1" presStyleCnt="6"/>
+      <dgm:spPr/>
+    </dgm:pt>
+    <dgm:pt modelId="{7EE42A30-DD00-4D94-BB44-3FD790BB0B9F}" type="pres">
+      <dgm:prSet presAssocID="{A3F3CB08-8C98-4BBB-B9F7-FB373F2DFEAE}" presName="vert1" presStyleCnt="0"/>
+      <dgm:spPr/>
+    </dgm:pt>
+    <dgm:pt modelId="{9B1C3E3B-FC0A-4DA2-87E2-320E65445595}" type="pres">
+      <dgm:prSet presAssocID="{26D50F97-ECFC-4FF1-9494-7093C6D6599D}" presName="thickLine" presStyleLbl="alignNode1" presStyleIdx="2" presStyleCnt="6"/>
+      <dgm:spPr/>
+    </dgm:pt>
+    <dgm:pt modelId="{21505BD5-DEB5-4C54-BF67-4F1F5DE8309E}" type="pres">
+      <dgm:prSet presAssocID="{26D50F97-ECFC-4FF1-9494-7093C6D6599D}" presName="horz1" presStyleCnt="0"/>
+      <dgm:spPr/>
+    </dgm:pt>
+    <dgm:pt modelId="{8B708EB0-A186-42DF-8C9C-79417DF0E51C}" type="pres">
+      <dgm:prSet presAssocID="{26D50F97-ECFC-4FF1-9494-7093C6D6599D}" presName="tx1" presStyleLbl="revTx" presStyleIdx="2" presStyleCnt="6"/>
+      <dgm:spPr/>
+    </dgm:pt>
+    <dgm:pt modelId="{5905F241-EACF-4F57-9CDE-CC1D5088A0AE}" type="pres">
+      <dgm:prSet presAssocID="{26D50F97-ECFC-4FF1-9494-7093C6D6599D}" presName="vert1" presStyleCnt="0"/>
+      <dgm:spPr/>
+    </dgm:pt>
+    <dgm:pt modelId="{F5DD61AA-1E2C-40CA-AA72-4661B0DFA499}" type="pres">
+      <dgm:prSet presAssocID="{E3AB7B63-C03E-44B6-B821-4AE55793873F}" presName="thickLine" presStyleLbl="alignNode1" presStyleIdx="3" presStyleCnt="6"/>
+      <dgm:spPr/>
+    </dgm:pt>
+    <dgm:pt modelId="{46382B5C-D470-4FCD-991E-D18121847DB6}" type="pres">
+      <dgm:prSet presAssocID="{E3AB7B63-C03E-44B6-B821-4AE55793873F}" presName="horz1" presStyleCnt="0"/>
+      <dgm:spPr/>
+    </dgm:pt>
+    <dgm:pt modelId="{2E0B8908-F858-462C-A831-FE1661BF09B1}" type="pres">
+      <dgm:prSet presAssocID="{E3AB7B63-C03E-44B6-B821-4AE55793873F}" presName="tx1" presStyleLbl="revTx" presStyleIdx="3" presStyleCnt="6"/>
+      <dgm:spPr/>
+    </dgm:pt>
+    <dgm:pt modelId="{548B7CA0-94C5-4A83-8052-796906FBDEE6}" type="pres">
+      <dgm:prSet presAssocID="{E3AB7B63-C03E-44B6-B821-4AE55793873F}" presName="vert1" presStyleCnt="0"/>
+      <dgm:spPr/>
+    </dgm:pt>
+    <dgm:pt modelId="{A64E041C-BF9E-42A2-8E45-9299CE1054C5}" type="pres">
+      <dgm:prSet presAssocID="{16585120-8332-4329-A4CE-57680F48FAFA}" presName="thickLine" presStyleLbl="alignNode1" presStyleIdx="4" presStyleCnt="6"/>
+      <dgm:spPr/>
+    </dgm:pt>
+    <dgm:pt modelId="{FDA4500A-C82A-4E3C-9E59-62D217549092}" type="pres">
+      <dgm:prSet presAssocID="{16585120-8332-4329-A4CE-57680F48FAFA}" presName="horz1" presStyleCnt="0"/>
+      <dgm:spPr/>
+    </dgm:pt>
+    <dgm:pt modelId="{F09040D1-9A2F-4A6C-B947-D346788F7BC5}" type="pres">
+      <dgm:prSet presAssocID="{16585120-8332-4329-A4CE-57680F48FAFA}" presName="tx1" presStyleLbl="revTx" presStyleIdx="4" presStyleCnt="6"/>
+      <dgm:spPr/>
+    </dgm:pt>
+    <dgm:pt modelId="{5FE35F4B-7ADC-4C5E-B0BD-72AA80433138}" type="pres">
+      <dgm:prSet presAssocID="{16585120-8332-4329-A4CE-57680F48FAFA}" presName="vert1" presStyleCnt="0"/>
+      <dgm:spPr/>
+    </dgm:pt>
+    <dgm:pt modelId="{644D56EE-CC08-44B2-AAB1-266BA726B4A5}" type="pres">
+      <dgm:prSet presAssocID="{CFE34452-D01A-4080-976F-79B09032D423}" presName="thickLine" presStyleLbl="alignNode1" presStyleIdx="5" presStyleCnt="6"/>
+      <dgm:spPr/>
+    </dgm:pt>
+    <dgm:pt modelId="{ACC8585A-2667-48B0-ADA1-74A79DBFF53E}" type="pres">
+      <dgm:prSet presAssocID="{CFE34452-D01A-4080-976F-79B09032D423}" presName="horz1" presStyleCnt="0"/>
+      <dgm:spPr/>
+    </dgm:pt>
+    <dgm:pt modelId="{2EDB2071-0712-4C75-BFC0-AE72E7D3782A}" type="pres">
+      <dgm:prSet presAssocID="{CFE34452-D01A-4080-976F-79B09032D423}" presName="tx1" presStyleLbl="revTx" presStyleIdx="5" presStyleCnt="6"/>
+      <dgm:spPr/>
+    </dgm:pt>
+    <dgm:pt modelId="{769EE286-FE1A-445E-8111-67DD28C6BDC4}" type="pres">
+      <dgm:prSet presAssocID="{CFE34452-D01A-4080-976F-79B09032D423}" presName="vert1" presStyleCnt="0"/>
+      <dgm:spPr/>
+    </dgm:pt>
+  </dgm:ptLst>
+  <dgm:cxnLst>
+    <dgm:cxn modelId="{8D560B05-38C0-4665-A783-344FD4A992F1}" srcId="{8E7A8DC6-2341-44B2-966E-8353FE7A7640}" destId="{E3AB7B63-C03E-44B6-B821-4AE55793873F}" srcOrd="3" destOrd="0" parTransId="{E7A5B3BB-F35B-4DD9-A25D-E999B92B42D4}" sibTransId="{866FCA53-D264-4E08-9428-8DDADA490887}"/>
+    <dgm:cxn modelId="{972F5B0E-911F-414D-9B3A-3B115F9217F6}" type="presOf" srcId="{16585120-8332-4329-A4CE-57680F48FAFA}" destId="{F09040D1-9A2F-4A6C-B947-D346788F7BC5}" srcOrd="0" destOrd="0" presId="urn:microsoft.com/office/officeart/2008/layout/LinedList"/>
+    <dgm:cxn modelId="{DFAD861B-688B-4585-8A93-08874A02B7D6}" type="presOf" srcId="{E3AB7B63-C03E-44B6-B821-4AE55793873F}" destId="{2E0B8908-F858-462C-A831-FE1661BF09B1}" srcOrd="0" destOrd="0" presId="urn:microsoft.com/office/officeart/2008/layout/LinedList"/>
+    <dgm:cxn modelId="{B514B930-35DA-4982-9191-502C958B2752}" srcId="{8E7A8DC6-2341-44B2-966E-8353FE7A7640}" destId="{CFE34452-D01A-4080-976F-79B09032D423}" srcOrd="5" destOrd="0" parTransId="{A7B76F28-9FB1-4F5C-B640-E70F4289E0F2}" sibTransId="{823AE313-D8D1-46A2-928A-FA004243A06B}"/>
+    <dgm:cxn modelId="{65E24E46-909E-4BEE-B77E-C2284845F876}" type="presOf" srcId="{8E7A8DC6-2341-44B2-966E-8353FE7A7640}" destId="{C64459BA-3DE6-4576-9450-5493BEDC3533}" srcOrd="0" destOrd="0" presId="urn:microsoft.com/office/officeart/2008/layout/LinedList"/>
+    <dgm:cxn modelId="{2DD2F84A-5DCA-4880-BF46-16034E744CC3}" srcId="{8E7A8DC6-2341-44B2-966E-8353FE7A7640}" destId="{0717813E-52A6-4AEB-804F-F3BA59DAE2E0}" srcOrd="0" destOrd="0" parTransId="{E53190BA-4C6C-4763-BB96-7D0B867535D2}" sibTransId="{DF5F2AE3-DADE-4237-A53B-DF946E14C581}"/>
+    <dgm:cxn modelId="{39EC454B-2EF3-41AE-8FC4-BE7381F92D48}" type="presOf" srcId="{0717813E-52A6-4AEB-804F-F3BA59DAE2E0}" destId="{B55DD35C-8455-4B29-B56C-854057B0B0D8}" srcOrd="0" destOrd="0" presId="urn:microsoft.com/office/officeart/2008/layout/LinedList"/>
+    <dgm:cxn modelId="{13C3154D-8ECB-410C-9AB3-16417DBCDFE2}" type="presOf" srcId="{26D50F97-ECFC-4FF1-9494-7093C6D6599D}" destId="{8B708EB0-A186-42DF-8C9C-79417DF0E51C}" srcOrd="0" destOrd="0" presId="urn:microsoft.com/office/officeart/2008/layout/LinedList"/>
+    <dgm:cxn modelId="{2D867070-3FBC-498C-83E6-08E12CE2DCBA}" srcId="{8E7A8DC6-2341-44B2-966E-8353FE7A7640}" destId="{16585120-8332-4329-A4CE-57680F48FAFA}" srcOrd="4" destOrd="0" parTransId="{F32AF81B-577F-4525-B484-A8B287573DBC}" sibTransId="{5C544C13-EF56-4E2E-94B9-750E18EB8A3B}"/>
+    <dgm:cxn modelId="{EF8E0D7D-F213-453A-B169-1280779640F2}" type="presOf" srcId="{A3F3CB08-8C98-4BBB-B9F7-FB373F2DFEAE}" destId="{6F2E86FF-8FCD-45FC-940E-1798FD26A9C4}" srcOrd="0" destOrd="0" presId="urn:microsoft.com/office/officeart/2008/layout/LinedList"/>
+    <dgm:cxn modelId="{1F66BB96-0BC3-40C7-A02F-ABA80ADA8442}" type="presOf" srcId="{CFE34452-D01A-4080-976F-79B09032D423}" destId="{2EDB2071-0712-4C75-BFC0-AE72E7D3782A}" srcOrd="0" destOrd="0" presId="urn:microsoft.com/office/officeart/2008/layout/LinedList"/>
+    <dgm:cxn modelId="{2B3D0CB3-C4B2-41ED-B797-6CC8EF8E353B}" srcId="{8E7A8DC6-2341-44B2-966E-8353FE7A7640}" destId="{A3F3CB08-8C98-4BBB-B9F7-FB373F2DFEAE}" srcOrd="1" destOrd="0" parTransId="{AF4891B4-88F4-40A9-AF29-E301EF9DFEEF}" sibTransId="{A7DCEB09-B43A-4100-99A8-F56F589D6100}"/>
+    <dgm:cxn modelId="{BC83B8D9-5A54-4CE1-8B4F-A140672A60B6}" srcId="{8E7A8DC6-2341-44B2-966E-8353FE7A7640}" destId="{26D50F97-ECFC-4FF1-9494-7093C6D6599D}" srcOrd="2" destOrd="0" parTransId="{92AFFEB1-19D4-4FDC-BB32-559DAA4CC2E8}" sibTransId="{1EBE9D30-3368-404B-A050-C4D44A3B3B6A}"/>
+    <dgm:cxn modelId="{FB421151-4425-492B-89FE-BE9B8C8F9263}" type="presParOf" srcId="{C64459BA-3DE6-4576-9450-5493BEDC3533}" destId="{4EAFA18D-5A3F-4698-8489-D3818C8F9528}" srcOrd="0" destOrd="0" presId="urn:microsoft.com/office/officeart/2008/layout/LinedList"/>
+    <dgm:cxn modelId="{5879FCA2-062B-4EED-AB16-AE8B61308BD8}" type="presParOf" srcId="{C64459BA-3DE6-4576-9450-5493BEDC3533}" destId="{ACA31446-B032-4651-AD3F-954F7FF328A6}" srcOrd="1" destOrd="0" presId="urn:microsoft.com/office/officeart/2008/layout/LinedList"/>
+    <dgm:cxn modelId="{B15065E7-61EC-42B6-97DA-D6212E6698D3}" type="presParOf" srcId="{ACA31446-B032-4651-AD3F-954F7FF328A6}" destId="{B55DD35C-8455-4B29-B56C-854057B0B0D8}" srcOrd="0" destOrd="0" presId="urn:microsoft.com/office/officeart/2008/layout/LinedList"/>
+    <dgm:cxn modelId="{56426615-51F8-4D6E-A722-383A42A08F89}" type="presParOf" srcId="{ACA31446-B032-4651-AD3F-954F7FF328A6}" destId="{A719EE41-7234-4B49-B40F-1C2F64C7DF75}" srcOrd="1" destOrd="0" presId="urn:microsoft.com/office/officeart/2008/layout/LinedList"/>
+    <dgm:cxn modelId="{ADAE4E23-0E94-41F5-96E1-3464D5C3086A}" type="presParOf" srcId="{C64459BA-3DE6-4576-9450-5493BEDC3533}" destId="{67A7DEAB-4B48-4196-A1F7-544A1D46F22E}" srcOrd="2" destOrd="0" presId="urn:microsoft.com/office/officeart/2008/layout/LinedList"/>
+    <dgm:cxn modelId="{EB73E5C2-EFAE-4AE2-9B93-F82C5A4AB19E}" type="presParOf" srcId="{C64459BA-3DE6-4576-9450-5493BEDC3533}" destId="{799C6760-1891-4F76-B673-57CCAB75960C}" srcOrd="3" destOrd="0" presId="urn:microsoft.com/office/officeart/2008/layout/LinedList"/>
+    <dgm:cxn modelId="{819B507B-C7D8-4C42-A293-B268EF723448}" type="presParOf" srcId="{799C6760-1891-4F76-B673-57CCAB75960C}" destId="{6F2E86FF-8FCD-45FC-940E-1798FD26A9C4}" srcOrd="0" destOrd="0" presId="urn:microsoft.com/office/officeart/2008/layout/LinedList"/>
+    <dgm:cxn modelId="{922D0759-6595-441E-A80F-33E4746DB19E}" type="presParOf" srcId="{799C6760-1891-4F76-B673-57CCAB75960C}" destId="{7EE42A30-DD00-4D94-BB44-3FD790BB0B9F}" srcOrd="1" destOrd="0" presId="urn:microsoft.com/office/officeart/2008/layout/LinedList"/>
+    <dgm:cxn modelId="{516C3791-E4AD-4ABD-991C-44E81E8FF6A6}" type="presParOf" srcId="{C64459BA-3DE6-4576-9450-5493BEDC3533}" destId="{9B1C3E3B-FC0A-4DA2-87E2-320E65445595}" srcOrd="4" destOrd="0" presId="urn:microsoft.com/office/officeart/2008/layout/LinedList"/>
+    <dgm:cxn modelId="{8896BBAC-430F-4124-B1D1-02FAAA021B3E}" type="presParOf" srcId="{C64459BA-3DE6-4576-9450-5493BEDC3533}" destId="{21505BD5-DEB5-4C54-BF67-4F1F5DE8309E}" srcOrd="5" destOrd="0" presId="urn:microsoft.com/office/officeart/2008/layout/LinedList"/>
+    <dgm:cxn modelId="{EBF606B6-908A-45F5-B86B-880984AA3D6D}" type="presParOf" srcId="{21505BD5-DEB5-4C54-BF67-4F1F5DE8309E}" destId="{8B708EB0-A186-42DF-8C9C-79417DF0E51C}" srcOrd="0" destOrd="0" presId="urn:microsoft.com/office/officeart/2008/layout/LinedList"/>
+    <dgm:cxn modelId="{CC7572C6-1353-42FC-81F4-FAD951CD7D15}" type="presParOf" srcId="{21505BD5-DEB5-4C54-BF67-4F1F5DE8309E}" destId="{5905F241-EACF-4F57-9CDE-CC1D5088A0AE}" srcOrd="1" destOrd="0" presId="urn:microsoft.com/office/officeart/2008/layout/LinedList"/>
+    <dgm:cxn modelId="{D3A986EA-6A91-4490-8F51-11EF97ED74B9}" type="presParOf" srcId="{C64459BA-3DE6-4576-9450-5493BEDC3533}" destId="{F5DD61AA-1E2C-40CA-AA72-4661B0DFA499}" srcOrd="6" destOrd="0" presId="urn:microsoft.com/office/officeart/2008/layout/LinedList"/>
+    <dgm:cxn modelId="{1F38D3F3-1039-498D-AC2E-9D97793EB1FF}" type="presParOf" srcId="{C64459BA-3DE6-4576-9450-5493BEDC3533}" destId="{46382B5C-D470-4FCD-991E-D18121847DB6}" srcOrd="7" destOrd="0" presId="urn:microsoft.com/office/officeart/2008/layout/LinedList"/>
+    <dgm:cxn modelId="{290F64CD-9222-4924-9FA2-D6EC23D92D97}" type="presParOf" srcId="{46382B5C-D470-4FCD-991E-D18121847DB6}" destId="{2E0B8908-F858-462C-A831-FE1661BF09B1}" srcOrd="0" destOrd="0" presId="urn:microsoft.com/office/officeart/2008/layout/LinedList"/>
+    <dgm:cxn modelId="{2648465A-B6E3-4F0B-A12F-C23C26FCDFB4}" type="presParOf" srcId="{46382B5C-D470-4FCD-991E-D18121847DB6}" destId="{548B7CA0-94C5-4A83-8052-796906FBDEE6}" srcOrd="1" destOrd="0" presId="urn:microsoft.com/office/officeart/2008/layout/LinedList"/>
+    <dgm:cxn modelId="{C85535FD-9D96-4EA0-B8B7-EB77D19D4018}" type="presParOf" srcId="{C64459BA-3DE6-4576-9450-5493BEDC3533}" destId="{A64E041C-BF9E-42A2-8E45-9299CE1054C5}" srcOrd="8" destOrd="0" presId="urn:microsoft.com/office/officeart/2008/layout/LinedList"/>
+    <dgm:cxn modelId="{02E1812E-D7B6-4A2F-9FB4-6943EC9701B0}" type="presParOf" srcId="{C64459BA-3DE6-4576-9450-5493BEDC3533}" destId="{FDA4500A-C82A-4E3C-9E59-62D217549092}" srcOrd="9" destOrd="0" presId="urn:microsoft.com/office/officeart/2008/layout/LinedList"/>
+    <dgm:cxn modelId="{9668AD34-1A54-4E08-B7EA-DDD5EA050D5C}" type="presParOf" srcId="{FDA4500A-C82A-4E3C-9E59-62D217549092}" destId="{F09040D1-9A2F-4A6C-B947-D346788F7BC5}" srcOrd="0" destOrd="0" presId="urn:microsoft.com/office/officeart/2008/layout/LinedList"/>
+    <dgm:cxn modelId="{A3B1FED0-6F52-4A61-9A6D-561E5BA48B92}" type="presParOf" srcId="{FDA4500A-C82A-4E3C-9E59-62D217549092}" destId="{5FE35F4B-7ADC-4C5E-B0BD-72AA80433138}" srcOrd="1" destOrd="0" presId="urn:microsoft.com/office/officeart/2008/layout/LinedList"/>
+    <dgm:cxn modelId="{EDACF28B-DE84-4716-804D-D4083B79DDCC}" type="presParOf" srcId="{C64459BA-3DE6-4576-9450-5493BEDC3533}" destId="{644D56EE-CC08-44B2-AAB1-266BA726B4A5}" srcOrd="10" destOrd="0" presId="urn:microsoft.com/office/officeart/2008/layout/LinedList"/>
+    <dgm:cxn modelId="{9082EE79-232C-4E07-836C-83976E4403B9}" type="presParOf" srcId="{C64459BA-3DE6-4576-9450-5493BEDC3533}" destId="{ACC8585A-2667-48B0-ADA1-74A79DBFF53E}" srcOrd="11" destOrd="0" presId="urn:microsoft.com/office/officeart/2008/layout/LinedList"/>
+    <dgm:cxn modelId="{214F9788-D4C8-4A91-A921-F413AE89C8A5}" type="presParOf" srcId="{ACC8585A-2667-48B0-ADA1-74A79DBFF53E}" destId="{2EDB2071-0712-4C75-BFC0-AE72E7D3782A}" srcOrd="0" destOrd="0" presId="urn:microsoft.com/office/officeart/2008/layout/LinedList"/>
+    <dgm:cxn modelId="{962FC9E2-DC9F-4B79-A5C7-24DDB65C2F89}" type="presParOf" srcId="{ACC8585A-2667-48B0-ADA1-74A79DBFF53E}" destId="{769EE286-FE1A-445E-8111-67DD28C6BDC4}" srcOrd="1" destOrd="0" presId="urn:microsoft.com/office/officeart/2008/layout/LinedList"/>
+  </dgm:cxnLst>
+  <dgm:bg/>
+  <dgm:whole/>
+  <dgm:extLst>
+    <a:ext uri="http://schemas.microsoft.com/office/drawing/2008/diagram">
+      <dsp:dataModelExt xmlns:dsp="http://schemas.microsoft.com/office/drawing/2008/diagram" relId="rId6" minVer="http://schemas.openxmlformats.org/drawingml/2006/diagram"/>
+    </a:ext>
+  </dgm:extLst>
+</dgm:dataModel>
+</file>
+
+<file path=ppt/diagrams/drawing1.xml><?xml version="1.0" encoding="utf-8"?>
+<dsp:drawing xmlns:dgm="http://schemas.openxmlformats.org/drawingml/2006/diagram" xmlns:dsp="http://schemas.microsoft.com/office/drawing/2008/diagram" xmlns:a="http://schemas.openxmlformats.org/drawingml/2006/main">
+  <dsp:spTree>
+    <dsp:nvGrpSpPr>
+      <dsp:cNvPr id="0" name=""/>
+      <dsp:cNvGrpSpPr/>
+    </dsp:nvGrpSpPr>
+    <dsp:grpSpPr/>
+    <dsp:sp modelId="{4EAFA18D-5A3F-4698-8489-D3818C8F9528}">
+      <dsp:nvSpPr>
+        <dsp:cNvPr id="0" name=""/>
+        <dsp:cNvSpPr/>
+      </dsp:nvSpPr>
+      <dsp:spPr>
+        <a:xfrm>
+          <a:off x="0" y="2825"/>
+          <a:ext cx="6949440" cy="0"/>
+        </a:xfrm>
+        <a:prstGeom prst="line">
+          <a:avLst/>
+        </a:prstGeom>
+        <a:solidFill>
+          <a:schemeClr val="accent2">
+            <a:hueOff val="0"/>
+            <a:satOff val="0"/>
+            <a:lumOff val="0"/>
+            <a:alphaOff val="0"/>
+          </a:schemeClr>
+        </a:solidFill>
+        <a:ln w="19050" cap="flat" cmpd="sng" algn="ctr">
+          <a:solidFill>
+            <a:schemeClr val="accent2">
+              <a:hueOff val="0"/>
+              <a:satOff val="0"/>
+              <a:lumOff val="0"/>
+              <a:alphaOff val="0"/>
+            </a:schemeClr>
+          </a:solidFill>
+          <a:prstDash val="solid"/>
+          <a:miter lim="800000"/>
+        </a:ln>
+        <a:effectLst/>
+      </dsp:spPr>
+      <dsp:style>
+        <a:lnRef idx="2">
+          <a:scrgbClr r="0" g="0" b="0"/>
+        </a:lnRef>
+        <a:fillRef idx="1">
+          <a:scrgbClr r="0" g="0" b="0"/>
+        </a:fillRef>
+        <a:effectRef idx="0">
+          <a:scrgbClr r="0" g="0" b="0"/>
+        </a:effectRef>
+        <a:fontRef idx="minor">
+          <a:schemeClr val="lt1"/>
+        </a:fontRef>
+      </dsp:style>
+    </dsp:sp>
+    <dsp:sp modelId="{B55DD35C-8455-4B29-B56C-854057B0B0D8}">
+      <dsp:nvSpPr>
+        <dsp:cNvPr id="0" name=""/>
+        <dsp:cNvSpPr/>
+      </dsp:nvSpPr>
+      <dsp:spPr>
+        <a:xfrm>
+          <a:off x="0" y="2825"/>
+          <a:ext cx="6949440" cy="963497"/>
+        </a:xfrm>
+        <a:prstGeom prst="rect">
+          <a:avLst/>
+        </a:prstGeom>
+        <a:noFill/>
+        <a:ln>
+          <a:noFill/>
+        </a:ln>
+        <a:effectLst/>
+      </dsp:spPr>
+      <dsp:style>
+        <a:lnRef idx="0">
+          <a:scrgbClr r="0" g="0" b="0"/>
+        </a:lnRef>
+        <a:fillRef idx="0">
+          <a:scrgbClr r="0" g="0" b="0"/>
+        </a:fillRef>
+        <a:effectRef idx="0">
+          <a:scrgbClr r="0" g="0" b="0"/>
+        </a:effectRef>
+        <a:fontRef idx="minor"/>
+      </dsp:style>
+      <dsp:txBody>
+        <a:bodyPr spcFirstLastPara="0" vert="horz" wrap="square" lIns="102870" tIns="102870" rIns="102870" bIns="102870" numCol="1" spcCol="1270" anchor="t" anchorCtr="0">
+          <a:noAutofit/>
+        </a:bodyPr>
+        <a:lstStyle/>
+        <a:p>
+          <a:pPr marL="0" lvl="0" indent="0" algn="l" defTabSz="1200150">
+            <a:lnSpc>
+              <a:spcPct val="90000"/>
+            </a:lnSpc>
+            <a:spcBef>
+              <a:spcPct val="0"/>
+            </a:spcBef>
+            <a:spcAft>
+              <a:spcPct val="35000"/>
+            </a:spcAft>
+            <a:buNone/>
+          </a:pPr>
+          <a:r>
+            <a:rPr lang="en-US" sz="2700" kern="1200"/>
+            <a:t>AI can be biased.</a:t>
+          </a:r>
+        </a:p>
+      </dsp:txBody>
+      <dsp:txXfrm>
+        <a:off x="0" y="2825"/>
+        <a:ext cx="6949440" cy="963497"/>
+      </dsp:txXfrm>
+    </dsp:sp>
+    <dsp:sp modelId="{67A7DEAB-4B48-4196-A1F7-544A1D46F22E}">
+      <dsp:nvSpPr>
+        <dsp:cNvPr id="0" name=""/>
+        <dsp:cNvSpPr/>
+      </dsp:nvSpPr>
+      <dsp:spPr>
+        <a:xfrm>
+          <a:off x="0" y="966323"/>
+          <a:ext cx="6949440" cy="0"/>
+        </a:xfrm>
+        <a:prstGeom prst="line">
+          <a:avLst/>
+        </a:prstGeom>
+        <a:solidFill>
+          <a:schemeClr val="accent2">
+            <a:hueOff val="1288723"/>
+            <a:satOff val="-3699"/>
+            <a:lumOff val="-5922"/>
+            <a:alphaOff val="0"/>
+          </a:schemeClr>
+        </a:solidFill>
+        <a:ln w="19050" cap="flat" cmpd="sng" algn="ctr">
+          <a:solidFill>
+            <a:schemeClr val="accent2">
+              <a:hueOff val="1288723"/>
+              <a:satOff val="-3699"/>
+              <a:lumOff val="-5922"/>
+              <a:alphaOff val="0"/>
+            </a:schemeClr>
+          </a:solidFill>
+          <a:prstDash val="solid"/>
+          <a:miter lim="800000"/>
+        </a:ln>
+        <a:effectLst/>
+      </dsp:spPr>
+      <dsp:style>
+        <a:lnRef idx="2">
+          <a:scrgbClr r="0" g="0" b="0"/>
+        </a:lnRef>
+        <a:fillRef idx="1">
+          <a:scrgbClr r="0" g="0" b="0"/>
+        </a:fillRef>
+        <a:effectRef idx="0">
+          <a:scrgbClr r="0" g="0" b="0"/>
+        </a:effectRef>
+        <a:fontRef idx="minor">
+          <a:schemeClr val="lt1"/>
+        </a:fontRef>
+      </dsp:style>
+    </dsp:sp>
+    <dsp:sp modelId="{6F2E86FF-8FCD-45FC-940E-1798FD26A9C4}">
+      <dsp:nvSpPr>
+        <dsp:cNvPr id="0" name=""/>
+        <dsp:cNvSpPr/>
+      </dsp:nvSpPr>
+      <dsp:spPr>
+        <a:xfrm>
+          <a:off x="0" y="966323"/>
+          <a:ext cx="6949440" cy="963497"/>
+        </a:xfrm>
+        <a:prstGeom prst="rect">
+          <a:avLst/>
+        </a:prstGeom>
+        <a:noFill/>
+        <a:ln>
+          <a:noFill/>
+        </a:ln>
+        <a:effectLst/>
+      </dsp:spPr>
+      <dsp:style>
+        <a:lnRef idx="0">
+          <a:scrgbClr r="0" g="0" b="0"/>
+        </a:lnRef>
+        <a:fillRef idx="0">
+          <a:scrgbClr r="0" g="0" b="0"/>
+        </a:fillRef>
+        <a:effectRef idx="0">
+          <a:scrgbClr r="0" g="0" b="0"/>
+        </a:effectRef>
+        <a:fontRef idx="minor"/>
+      </dsp:style>
+      <dsp:txBody>
+        <a:bodyPr spcFirstLastPara="0" vert="horz" wrap="square" lIns="102870" tIns="102870" rIns="102870" bIns="102870" numCol="1" spcCol="1270" anchor="t" anchorCtr="0">
+          <a:noAutofit/>
+        </a:bodyPr>
+        <a:lstStyle/>
+        <a:p>
+          <a:pPr marL="0" lvl="0" indent="0" algn="l" defTabSz="1200150">
+            <a:lnSpc>
+              <a:spcPct val="90000"/>
+            </a:lnSpc>
+            <a:spcBef>
+              <a:spcPct val="0"/>
+            </a:spcBef>
+            <a:spcAft>
+              <a:spcPct val="35000"/>
+            </a:spcAft>
+            <a:buNone/>
+          </a:pPr>
+          <a:r>
+            <a:rPr lang="en-US" sz="2700" kern="1200" dirty="0" err="1"/>
+            <a:t>EchoCheck</a:t>
+          </a:r>
+          <a:r>
+            <a:rPr lang="en-US" sz="2700" kern="1200" dirty="0"/>
+            <a:t> tests AI’s perception of minority groups.</a:t>
+          </a:r>
+        </a:p>
+      </dsp:txBody>
+      <dsp:txXfrm>
+        <a:off x="0" y="966323"/>
+        <a:ext cx="6949440" cy="963497"/>
+      </dsp:txXfrm>
+    </dsp:sp>
+    <dsp:sp modelId="{9B1C3E3B-FC0A-4DA2-87E2-320E65445595}">
+      <dsp:nvSpPr>
+        <dsp:cNvPr id="0" name=""/>
+        <dsp:cNvSpPr/>
+      </dsp:nvSpPr>
+      <dsp:spPr>
+        <a:xfrm>
+          <a:off x="0" y="1929821"/>
+          <a:ext cx="6949440" cy="0"/>
+        </a:xfrm>
+        <a:prstGeom prst="line">
+          <a:avLst/>
+        </a:prstGeom>
+        <a:solidFill>
+          <a:schemeClr val="accent2">
+            <a:hueOff val="2577445"/>
+            <a:satOff val="-7397"/>
+            <a:lumOff val="-11844"/>
+            <a:alphaOff val="0"/>
+          </a:schemeClr>
+        </a:solidFill>
+        <a:ln w="19050" cap="flat" cmpd="sng" algn="ctr">
+          <a:solidFill>
+            <a:schemeClr val="accent2">
+              <a:hueOff val="2577445"/>
+              <a:satOff val="-7397"/>
+              <a:lumOff val="-11844"/>
+              <a:alphaOff val="0"/>
+            </a:schemeClr>
+          </a:solidFill>
+          <a:prstDash val="solid"/>
+          <a:miter lim="800000"/>
+        </a:ln>
+        <a:effectLst/>
+      </dsp:spPr>
+      <dsp:style>
+        <a:lnRef idx="2">
+          <a:scrgbClr r="0" g="0" b="0"/>
+        </a:lnRef>
+        <a:fillRef idx="1">
+          <a:scrgbClr r="0" g="0" b="0"/>
+        </a:fillRef>
+        <a:effectRef idx="0">
+          <a:scrgbClr r="0" g="0" b="0"/>
+        </a:effectRef>
+        <a:fontRef idx="minor">
+          <a:schemeClr val="lt1"/>
+        </a:fontRef>
+      </dsp:style>
+    </dsp:sp>
+    <dsp:sp modelId="{8B708EB0-A186-42DF-8C9C-79417DF0E51C}">
+      <dsp:nvSpPr>
+        <dsp:cNvPr id="0" name=""/>
+        <dsp:cNvSpPr/>
+      </dsp:nvSpPr>
+      <dsp:spPr>
+        <a:xfrm>
+          <a:off x="0" y="1929821"/>
+          <a:ext cx="6949440" cy="963497"/>
+        </a:xfrm>
+        <a:prstGeom prst="rect">
+          <a:avLst/>
+        </a:prstGeom>
+        <a:noFill/>
+        <a:ln>
+          <a:noFill/>
+        </a:ln>
+        <a:effectLst/>
+      </dsp:spPr>
+      <dsp:style>
+        <a:lnRef idx="0">
+          <a:scrgbClr r="0" g="0" b="0"/>
+        </a:lnRef>
+        <a:fillRef idx="0">
+          <a:scrgbClr r="0" g="0" b="0"/>
+        </a:fillRef>
+        <a:effectRef idx="0">
+          <a:scrgbClr r="0" g="0" b="0"/>
+        </a:effectRef>
+        <a:fontRef idx="minor"/>
+      </dsp:style>
+      <dsp:txBody>
+        <a:bodyPr spcFirstLastPara="0" vert="horz" wrap="square" lIns="102870" tIns="102870" rIns="102870" bIns="102870" numCol="1" spcCol="1270" anchor="t" anchorCtr="0">
+          <a:noAutofit/>
+        </a:bodyPr>
+        <a:lstStyle/>
+        <a:p>
+          <a:pPr marL="0" lvl="0" indent="0" algn="l" defTabSz="1200150">
+            <a:lnSpc>
+              <a:spcPct val="90000"/>
+            </a:lnSpc>
+            <a:spcBef>
+              <a:spcPct val="0"/>
+            </a:spcBef>
+            <a:spcAft>
+              <a:spcPct val="35000"/>
+            </a:spcAft>
+            <a:buNone/>
+          </a:pPr>
+          <a:r>
+            <a:rPr lang="en-US" sz="2700" kern="1200" dirty="0"/>
+            <a:t>Shows color-coded scores for each model.</a:t>
+          </a:r>
+        </a:p>
+      </dsp:txBody>
+      <dsp:txXfrm>
+        <a:off x="0" y="1929821"/>
+        <a:ext cx="6949440" cy="963497"/>
+      </dsp:txXfrm>
+    </dsp:sp>
+    <dsp:sp modelId="{F5DD61AA-1E2C-40CA-AA72-4661B0DFA499}">
+      <dsp:nvSpPr>
+        <dsp:cNvPr id="0" name=""/>
+        <dsp:cNvSpPr/>
+      </dsp:nvSpPr>
+      <dsp:spPr>
+        <a:xfrm>
+          <a:off x="0" y="2893319"/>
+          <a:ext cx="6949440" cy="0"/>
+        </a:xfrm>
+        <a:prstGeom prst="line">
+          <a:avLst/>
+        </a:prstGeom>
+        <a:solidFill>
+          <a:schemeClr val="accent2">
+            <a:hueOff val="3866169"/>
+            <a:satOff val="-11096"/>
+            <a:lumOff val="-17765"/>
+            <a:alphaOff val="0"/>
+          </a:schemeClr>
+        </a:solidFill>
+        <a:ln w="19050" cap="flat" cmpd="sng" algn="ctr">
+          <a:solidFill>
+            <a:schemeClr val="accent2">
+              <a:hueOff val="3866169"/>
+              <a:satOff val="-11096"/>
+              <a:lumOff val="-17765"/>
+              <a:alphaOff val="0"/>
+            </a:schemeClr>
+          </a:solidFill>
+          <a:prstDash val="solid"/>
+          <a:miter lim="800000"/>
+        </a:ln>
+        <a:effectLst/>
+      </dsp:spPr>
+      <dsp:style>
+        <a:lnRef idx="2">
+          <a:scrgbClr r="0" g="0" b="0"/>
+        </a:lnRef>
+        <a:fillRef idx="1">
+          <a:scrgbClr r="0" g="0" b="0"/>
+        </a:fillRef>
+        <a:effectRef idx="0">
+          <a:scrgbClr r="0" g="0" b="0"/>
+        </a:effectRef>
+        <a:fontRef idx="minor">
+          <a:schemeClr val="lt1"/>
+        </a:fontRef>
+      </dsp:style>
+    </dsp:sp>
+    <dsp:sp modelId="{2E0B8908-F858-462C-A831-FE1661BF09B1}">
+      <dsp:nvSpPr>
+        <dsp:cNvPr id="0" name=""/>
+        <dsp:cNvSpPr/>
+      </dsp:nvSpPr>
+      <dsp:spPr>
+        <a:xfrm>
+          <a:off x="0" y="2893318"/>
+          <a:ext cx="6949440" cy="963497"/>
+        </a:xfrm>
+        <a:prstGeom prst="rect">
+          <a:avLst/>
+        </a:prstGeom>
+        <a:noFill/>
+        <a:ln>
+          <a:noFill/>
+        </a:ln>
+        <a:effectLst/>
+      </dsp:spPr>
+      <dsp:style>
+        <a:lnRef idx="0">
+          <a:scrgbClr r="0" g="0" b="0"/>
+        </a:lnRef>
+        <a:fillRef idx="0">
+          <a:scrgbClr r="0" g="0" b="0"/>
+        </a:fillRef>
+        <a:effectRef idx="0">
+          <a:scrgbClr r="0" g="0" b="0"/>
+        </a:effectRef>
+        <a:fontRef idx="minor"/>
+      </dsp:style>
+      <dsp:txBody>
+        <a:bodyPr spcFirstLastPara="0" vert="horz" wrap="square" lIns="102870" tIns="102870" rIns="102870" bIns="102870" numCol="1" spcCol="1270" anchor="t" anchorCtr="0">
+          <a:noAutofit/>
+        </a:bodyPr>
+        <a:lstStyle/>
+        <a:p>
+          <a:pPr marL="0" lvl="0" indent="0" algn="l" defTabSz="1200150">
+            <a:lnSpc>
+              <a:spcPct val="90000"/>
+            </a:lnSpc>
+            <a:spcBef>
+              <a:spcPct val="0"/>
+            </a:spcBef>
+            <a:spcAft>
+              <a:spcPct val="35000"/>
+            </a:spcAft>
+            <a:buNone/>
+          </a:pPr>
+          <a:r>
+            <a:rPr lang="en-US" sz="2700" kern="1200" dirty="0"/>
+            <a:t>Switch between communities.</a:t>
+          </a:r>
+        </a:p>
+      </dsp:txBody>
+      <dsp:txXfrm>
+        <a:off x="0" y="2893318"/>
+        <a:ext cx="6949440" cy="963497"/>
+      </dsp:txXfrm>
+    </dsp:sp>
+    <dsp:sp modelId="{A64E041C-BF9E-42A2-8E45-9299CE1054C5}">
+      <dsp:nvSpPr>
+        <dsp:cNvPr id="0" name=""/>
+        <dsp:cNvSpPr/>
+      </dsp:nvSpPr>
+      <dsp:spPr>
+        <a:xfrm>
+          <a:off x="0" y="3856816"/>
+          <a:ext cx="6949440" cy="0"/>
+        </a:xfrm>
+        <a:prstGeom prst="line">
+          <a:avLst/>
+        </a:prstGeom>
+        <a:solidFill>
+          <a:schemeClr val="accent2">
+            <a:hueOff val="5154891"/>
+            <a:satOff val="-14794"/>
+            <a:lumOff val="-23687"/>
+            <a:alphaOff val="0"/>
+          </a:schemeClr>
+        </a:solidFill>
+        <a:ln w="19050" cap="flat" cmpd="sng" algn="ctr">
+          <a:solidFill>
+            <a:schemeClr val="accent2">
+              <a:hueOff val="5154891"/>
+              <a:satOff val="-14794"/>
+              <a:lumOff val="-23687"/>
+              <a:alphaOff val="0"/>
+            </a:schemeClr>
+          </a:solidFill>
+          <a:prstDash val="solid"/>
+          <a:miter lim="800000"/>
+        </a:ln>
+        <a:effectLst/>
+      </dsp:spPr>
+      <dsp:style>
+        <a:lnRef idx="2">
+          <a:scrgbClr r="0" g="0" b="0"/>
+        </a:lnRef>
+        <a:fillRef idx="1">
+          <a:scrgbClr r="0" g="0" b="0"/>
+        </a:fillRef>
+        <a:effectRef idx="0">
+          <a:scrgbClr r="0" g="0" b="0"/>
+        </a:effectRef>
+        <a:fontRef idx="minor">
+          <a:schemeClr val="lt1"/>
+        </a:fontRef>
+      </dsp:style>
+    </dsp:sp>
+    <dsp:sp modelId="{F09040D1-9A2F-4A6C-B947-D346788F7BC5}">
+      <dsp:nvSpPr>
+        <dsp:cNvPr id="0" name=""/>
+        <dsp:cNvSpPr/>
+      </dsp:nvSpPr>
+      <dsp:spPr>
+        <a:xfrm>
+          <a:off x="0" y="3856816"/>
+          <a:ext cx="6949440" cy="963497"/>
+        </a:xfrm>
+        <a:prstGeom prst="rect">
+          <a:avLst/>
+        </a:prstGeom>
+        <a:noFill/>
+        <a:ln>
+          <a:noFill/>
+        </a:ln>
+        <a:effectLst/>
+      </dsp:spPr>
+      <dsp:style>
+        <a:lnRef idx="0">
+          <a:scrgbClr r="0" g="0" b="0"/>
+        </a:lnRef>
+        <a:fillRef idx="0">
+          <a:scrgbClr r="0" g="0" b="0"/>
+        </a:fillRef>
+        <a:effectRef idx="0">
+          <a:scrgbClr r="0" g="0" b="0"/>
+        </a:effectRef>
+        <a:fontRef idx="minor"/>
+      </dsp:style>
+      <dsp:txBody>
+        <a:bodyPr spcFirstLastPara="0" vert="horz" wrap="square" lIns="102870" tIns="102870" rIns="102870" bIns="102870" numCol="1" spcCol="1270" anchor="t" anchorCtr="0">
+          <a:noAutofit/>
+        </a:bodyPr>
+        <a:lstStyle/>
+        <a:p>
+          <a:pPr marL="0" lvl="0" indent="0" algn="l" defTabSz="1200150">
+            <a:lnSpc>
+              <a:spcPct val="90000"/>
+            </a:lnSpc>
+            <a:spcBef>
+              <a:spcPct val="0"/>
+            </a:spcBef>
+            <a:spcAft>
+              <a:spcPct val="35000"/>
+            </a:spcAft>
+            <a:buNone/>
+          </a:pPr>
+          <a:r>
+            <a:rPr lang="en-US" sz="2700" kern="1200" dirty="0"/>
+            <a:t>Reveals bias, pushes for fairness and equity in technology.</a:t>
+          </a:r>
+        </a:p>
+      </dsp:txBody>
+      <dsp:txXfrm>
+        <a:off x="0" y="3856816"/>
+        <a:ext cx="6949440" cy="963497"/>
+      </dsp:txXfrm>
+    </dsp:sp>
+    <dsp:sp modelId="{644D56EE-CC08-44B2-AAB1-266BA726B4A5}">
+      <dsp:nvSpPr>
+        <dsp:cNvPr id="0" name=""/>
+        <dsp:cNvSpPr/>
+      </dsp:nvSpPr>
+      <dsp:spPr>
+        <a:xfrm>
+          <a:off x="0" y="4820314"/>
+          <a:ext cx="6949440" cy="0"/>
+        </a:xfrm>
+        <a:prstGeom prst="line">
+          <a:avLst/>
+        </a:prstGeom>
+        <a:solidFill>
+          <a:schemeClr val="accent2">
+            <a:hueOff val="6443614"/>
+            <a:satOff val="-18493"/>
+            <a:lumOff val="-29609"/>
+            <a:alphaOff val="0"/>
+          </a:schemeClr>
+        </a:solidFill>
+        <a:ln w="19050" cap="flat" cmpd="sng" algn="ctr">
+          <a:solidFill>
+            <a:schemeClr val="accent2">
+              <a:hueOff val="6443614"/>
+              <a:satOff val="-18493"/>
+              <a:lumOff val="-29609"/>
+              <a:alphaOff val="0"/>
+            </a:schemeClr>
+          </a:solidFill>
+          <a:prstDash val="solid"/>
+          <a:miter lim="800000"/>
+        </a:ln>
+        <a:effectLst/>
+      </dsp:spPr>
+      <dsp:style>
+        <a:lnRef idx="2">
+          <a:scrgbClr r="0" g="0" b="0"/>
+        </a:lnRef>
+        <a:fillRef idx="1">
+          <a:scrgbClr r="0" g="0" b="0"/>
+        </a:fillRef>
+        <a:effectRef idx="0">
+          <a:scrgbClr r="0" g="0" b="0"/>
+        </a:effectRef>
+        <a:fontRef idx="minor">
+          <a:schemeClr val="lt1"/>
+        </a:fontRef>
+      </dsp:style>
+    </dsp:sp>
+    <dsp:sp modelId="{2EDB2071-0712-4C75-BFC0-AE72E7D3782A}">
+      <dsp:nvSpPr>
+        <dsp:cNvPr id="0" name=""/>
+        <dsp:cNvSpPr/>
+      </dsp:nvSpPr>
+      <dsp:spPr>
+        <a:xfrm>
+          <a:off x="0" y="4820314"/>
+          <a:ext cx="6949440" cy="963497"/>
+        </a:xfrm>
+        <a:prstGeom prst="rect">
+          <a:avLst/>
+        </a:prstGeom>
+        <a:noFill/>
+        <a:ln>
+          <a:noFill/>
+        </a:ln>
+        <a:effectLst/>
+      </dsp:spPr>
+      <dsp:style>
+        <a:lnRef idx="0">
+          <a:scrgbClr r="0" g="0" b="0"/>
+        </a:lnRef>
+        <a:fillRef idx="0">
+          <a:scrgbClr r="0" g="0" b="0"/>
+        </a:fillRef>
+        <a:effectRef idx="0">
+          <a:scrgbClr r="0" g="0" b="0"/>
+        </a:effectRef>
+        <a:fontRef idx="minor"/>
+      </dsp:style>
+      <dsp:txBody>
+        <a:bodyPr spcFirstLastPara="0" vert="horz" wrap="square" lIns="102870" tIns="102870" rIns="102870" bIns="102870" numCol="1" spcCol="1270" anchor="t" anchorCtr="0">
+          <a:noAutofit/>
+        </a:bodyPr>
+        <a:lstStyle/>
+        <a:p>
+          <a:pPr marL="0" lvl="0" indent="0" algn="l" defTabSz="1200150">
+            <a:lnSpc>
+              <a:spcPct val="90000"/>
+            </a:lnSpc>
+            <a:spcBef>
+              <a:spcPct val="0"/>
+            </a:spcBef>
+            <a:spcAft>
+              <a:spcPct val="35000"/>
+            </a:spcAft>
+            <a:buNone/>
+          </a:pPr>
+          <a:r>
+            <a:rPr lang="en-US" sz="2700" kern="1200"/>
+            <a:t>Let’s see the demo.</a:t>
+          </a:r>
+        </a:p>
+      </dsp:txBody>
+      <dsp:txXfrm>
+        <a:off x="0" y="4820314"/>
+        <a:ext cx="6949440" cy="963497"/>
+      </dsp:txXfrm>
+    </dsp:sp>
+  </dsp:spTree>
+</dsp:drawing>
+</file>
+
+<file path=ppt/diagrams/layout1.xml><?xml version="1.0" encoding="utf-8"?>
+<dgm:layoutDef xmlns:dgm="http://schemas.openxmlformats.org/drawingml/2006/diagram" xmlns:a="http://schemas.openxmlformats.org/drawingml/2006/main" uniqueId="urn:microsoft.com/office/officeart/2008/layout/LinedList">
+  <dgm:title val=""/>
+  <dgm:desc val=""/>
+  <dgm:catLst>
+    <dgm:cat type="hierarchy" pri="8000"/>
+    <dgm:cat type="list" pri="2500"/>
+  </dgm:catLst>
+  <dgm:sampData>
+    <dgm:dataModel>
+      <dgm:ptLst>
+        <dgm:pt modelId="0" type="doc"/>
+        <dgm:pt modelId="1">
+          <dgm:prSet phldr="1"/>
+        </dgm:pt>
+        <dgm:pt modelId="11">
+          <dgm:prSet phldr="1"/>
+        </dgm:pt>
+        <dgm:pt modelId="12">
+          <dgm:prSet phldr="1"/>
+        </dgm:pt>
+        <dgm:pt modelId="13">
+          <dgm:prSet phldr="1"/>
+        </dgm:pt>
+      </dgm:ptLst>
+      <dgm:cxnLst>
+        <dgm:cxn modelId="2" srcId="0" destId="1" srcOrd="0" destOrd="0"/>
+        <dgm:cxn modelId="3" srcId="1" destId="11" srcOrd="0" destOrd="0"/>
+        <dgm:cxn modelId="4" srcId="1" destId="12" srcOrd="1" destOrd="0"/>
+        <dgm:cxn modelId="5" srcId="1" destId="13" srcOrd="2" destOrd="0"/>
+      </dgm:cxnLst>
+      <dgm:bg/>
+      <dgm:whole/>
+    </dgm:dataModel>
+  </dgm:sampData>
+  <dgm:styleData>
+    <dgm:dataModel>
+      <dgm:ptLst>
+        <dgm:pt modelId="0" type="doc"/>
+        <dgm:pt modelId="1">
+          <dgm:prSet phldr="1"/>
+        </dgm:pt>
+        <dgm:pt modelId="11">
+          <dgm:prSet phldr="1"/>
+        </dgm:pt>
+        <dgm:pt modelId="12">
+          <dgm:prSet phldr="1"/>
+        </dgm:pt>
+      </dgm:ptLst>
+      <dgm:cxnLst>
+        <dgm:cxn modelId="2" srcId="0" destId="1" srcOrd="0" destOrd="0"/>
+        <dgm:cxn modelId="3" srcId="1" destId="11" srcOrd="0" destOrd="0"/>
+        <dgm:cxn modelId="4" srcId="1" destId="12" srcOrd="1" destOrd="0"/>
+      </dgm:cxnLst>
+      <dgm:bg/>
+      <dgm:whole/>
+    </dgm:dataModel>
+  </dgm:styleData>
+  <dgm:clrData>
+    <dgm:dataModel>
+      <dgm:ptLst>
+        <dgm:pt modelId="0" type="doc"/>
+        <dgm:pt modelId="1">
+          <dgm:prSet phldr="1"/>
+        </dgm:pt>
+        <dgm:pt modelId="11">
+          <dgm:prSet phldr="1"/>
+        </dgm:pt>
+        <dgm:pt modelId="12">
+          <dgm:prSet phldr="1"/>
+        </dgm:pt>
+      </dgm:ptLst>
+      <dgm:cxnLst>
+        <dgm:cxn modelId="2" srcId="0" destId="1" srcOrd="0" destOrd="0"/>
+        <dgm:cxn modelId="3" srcId="1" destId="11" srcOrd="0" destOrd="0"/>
+        <dgm:cxn modelId="4" srcId="1" destId="12" srcOrd="1" destOrd="0"/>
+      </dgm:cxnLst>
+      <dgm:bg/>
+      <dgm:whole/>
+    </dgm:dataModel>
+  </dgm:clrData>
+  <dgm:layoutNode name="vert0">
+    <dgm:varLst>
+      <dgm:dir/>
+      <dgm:animOne val="branch"/>
+      <dgm:animLvl val="lvl"/>
+    </dgm:varLst>
+    <dgm:choose name="Name0">
+      <dgm:if name="Name1" func="var" arg="dir" op="equ" val="norm">
+        <dgm:alg type="lin">
+          <dgm:param type="linDir" val="fromT"/>
+          <dgm:param type="nodeHorzAlign" val="l"/>
+        </dgm:alg>
+      </dgm:if>
+      <dgm:else name="Name2">
+        <dgm:alg type="lin">
+          <dgm:param type="linDir" val="fromT"/>
+          <dgm:param type="nodeHorzAlign" val="r"/>
+        </dgm:alg>
+      </dgm:else>
+    </dgm:choose>
+    <dgm:shape xmlns:r="http://schemas.openxmlformats.org/officeDocument/2006/relationships" r:blip="">
+      <dgm:adjLst/>
+    </dgm:shape>
+    <dgm:presOf/>
+    <dgm:constrLst>
+      <dgm:constr type="w" for="ch" forName="horz1" refType="w"/>
+      <dgm:constr type="h" for="ch" forName="horz1" refType="h"/>
+      <dgm:constr type="h" for="des" forName="vert1" refType="h"/>
+      <dgm:constr type="h" for="des" forName="tx1" refType="h"/>
+      <dgm:constr type="h" for="des" forName="horz2" refType="h"/>
+      <dgm:constr type="h" for="des" forName="vert2" refType="h"/>
+      <dgm:constr type="h" for="des" forName="horz3" refType="h"/>
+      <dgm:constr type="h" for="des" forName="vert3" refType="h"/>
+      <dgm:constr type="h" for="des" forName="horz4" refType="h"/>
+      <dgm:constr type="h" for="des" ptType="node" refType="h"/>
+      <dgm:constr type="primFontSz" for="des" forName="tx1" op="equ" val="65"/>
+      <dgm:constr type="primFontSz" for="des" forName="tx2" op="equ" val="65"/>
+      <dgm:constr type="primFontSz" for="des" forName="tx3" op="equ" val="65"/>
+      <dgm:constr type="primFontSz" for="des" forName="tx4" op="equ" val="65"/>
+      <dgm:constr type="w" for="des" forName="thickLine" refType="w"/>
+      <dgm:constr type="h" for="des" forName="thickLine"/>
+      <dgm:constr type="h" for="des" forName="thinLine1"/>
+      <dgm:constr type="h" for="des" forName="thinLine2b"/>
+      <dgm:constr type="h" for="des" forName="thinLine3"/>
+      <dgm:constr type="h" for="des" forName="vertSpace2a" refType="h" fact="0.05"/>
+      <dgm:constr type="h" for="des" forName="vertSpace2b" refType="h" refFor="des" refForName="vertSpace2a"/>
+    </dgm:constrLst>
+    <dgm:forEach name="Name3" axis="ch" ptType="node">
+      <dgm:layoutNode name="thickLine" styleLbl="alignNode1">
+        <dgm:alg type="sp"/>
+        <dgm:shape xmlns:r="http://schemas.openxmlformats.org/officeDocument/2006/relationships" type="line" r:blip="">
+          <dgm:adjLst/>
+        </dgm:shape>
+        <dgm:presOf/>
+      </dgm:layoutNode>
+      <dgm:layoutNode name="horz1">
+        <dgm:choose name="Name4">
+          <dgm:if name="Name5" func="var" arg="dir" op="equ" val="norm">
+            <dgm:alg type="lin">
+              <dgm:param type="linDir" val="fromL"/>
+              <dgm:param type="nodeVertAlign" val="t"/>
+            </dgm:alg>
+          </dgm:if>
+          <dgm:else name="Name6">
+            <dgm:alg type="lin">
+              <dgm:param type="linDir" val="fromR"/>
+              <dgm:param type="nodeVertAlign" val="t"/>
+            </dgm:alg>
+          </dgm:else>
+        </dgm:choose>
+        <dgm:shape xmlns:r="http://schemas.openxmlformats.org/officeDocument/2006/relationships" r:blip="">
+          <dgm:adjLst/>
+        </dgm:shape>
+        <dgm:presOf/>
+        <dgm:choose name="Name7">
+          <dgm:if name="Name8" axis="root des" func="maxDepth" op="equ" val="1">
+            <dgm:constrLst>
+              <dgm:constr type="w" for="ch" forName="tx1" refType="w"/>
+            </dgm:constrLst>
+          </dgm:if>
+          <dgm:if name="Name9" axis="root des" func="maxDepth" op="equ" val="2">
+            <dgm:constrLst>
+              <dgm:constr type="w" for="ch" forName="tx1" refType="w" fact="0.2"/>
+              <dgm:constr type="w" for="des" forName="tx2" refType="w" fact="0.785"/>
+              <dgm:constr type="w" for="des" forName="horzSpace2" refType="w" fact="0.015"/>
+              <dgm:constr type="w" for="des" forName="thinLine2b" refType="w" fact="0.8"/>
+            </dgm:constrLst>
+          </dgm:if>
+          <dgm:if name="Name10" axis="root des" func="maxDepth" op="equ" val="3">
+            <dgm:constrLst>
+              <dgm:constr type="w" for="ch" forName="tx1" refType="w" fact="0.2"/>
+              <dgm:constr type="w" for="des" forName="tx2" refType="w" fact="0.385"/>
+              <dgm:constr type="w" for="des" forName="tx3" refType="w" fact="0.385"/>
+              <dgm:constr type="w" for="des" forName="horzSpace2" refType="w" fact="0.015"/>
+              <dgm:constr type="w" for="des" forName="horzSpace3" refType="w" fact="0.015"/>
+              <dgm:constr type="w" for="des" forName="thinLine2b" refType="w" fact="0.8"/>
+              <dgm:constr type="w" for="des" forName="thinLine3" refType="w" fact="0.385"/>
+            </dgm:constrLst>
+          </dgm:if>
+          <dgm:if name="Name11" axis="root des" func="maxDepth" op="gte" val="4">
+            <dgm:constrLst>
+              <dgm:constr type="w" for="ch" forName="tx1" refType="w" fact="0.2"/>
+              <dgm:constr type="w" for="des" forName="tx2" refType="w" fact="0.2516"/>
+              <dgm:constr type="w" for="des" forName="tx3" refType="w" fact="0.2516"/>
+              <dgm:constr type="w" for="des" forName="tx4" refType="w" fact="0.2516"/>
+              <dgm:constr type="w" for="des" forName="horzSpace2" refType="w" fact="0.015"/>
+              <dgm:constr type="w" for="des" forName="horzSpace3" refType="w" fact="0.015"/>
+              <dgm:constr type="w" for="des" forName="horzSpace4" refType="w" fact="0.015"/>
+              <dgm:constr type="w" for="des" forName="thinLine2b" refType="w" fact="0.8"/>
+              <dgm:constr type="w" for="des" forName="thinLine3" refType="w" fact="0.5332"/>
+            </dgm:constrLst>
+          </dgm:if>
+          <dgm:else name="Name12"/>
+        </dgm:choose>
+        <dgm:layoutNode name="tx1" styleLbl="revTx">
+          <dgm:alg type="tx">
+            <dgm:param type="parTxLTRAlign" val="l"/>
+            <dgm:param type="parTxRTLAlign" val="r"/>
+            <dgm:param type="txAnchorVert" val="t"/>
+          </dgm:alg>
+          <dgm:shape xmlns:r="http://schemas.openxmlformats.org/officeDocument/2006/relationships" type="rect" r:blip="">
+            <dgm:adjLst/>
+          </dgm:shape>
+          <dgm:presOf axis="self"/>
+          <dgm:constrLst>
+            <dgm:constr type="tMarg" refType="primFontSz" fact="0.3"/>
+            <dgm:constr type="bMarg" refType="primFontSz" fact="0.3"/>
+            <dgm:constr type="lMarg" refType="primFontSz" fact="0.3"/>
+            <dgm:constr type="rMarg" refType="primFontSz" fact="0.3"/>
+          </dgm:constrLst>
+          <dgm:ruleLst>
+            <dgm:rule type="primFontSz" val="5" fact="NaN" max="NaN"/>
+          </dgm:ruleLst>
+        </dgm:layoutNode>
+        <dgm:layoutNode name="vert1">
+          <dgm:choose name="Name13">
+            <dgm:if name="Name14" func="var" arg="dir" op="equ" val="norm">
+              <dgm:alg type="lin">
+                <dgm:param type="linDir" val="fromT"/>
+                <dgm:param type="nodeHorzAlign" val="l"/>
+              </dgm:alg>
+            </dgm:if>
+            <dgm:else name="Name15">
+              <dgm:alg type="lin">
+                <dgm:param type="linDir" val="fromT"/>
+                <dgm:param type="nodeHorzAlign" val="r"/>
+              </dgm:alg>
+            </dgm:else>
+          </dgm:choose>
+          <dgm:shape xmlns:r="http://schemas.openxmlformats.org/officeDocument/2006/relationships" r:blip="">
+            <dgm:adjLst/>
+          </dgm:shape>
+          <dgm:presOf/>
+          <dgm:forEach name="Name16" axis="ch" ptType="node">
+            <dgm:choose name="Name17">
+              <dgm:if name="Name18" axis="self" ptType="node" func="pos" op="equ" val="1">
+                <dgm:layoutNode name="vertSpace2a">
+                  <dgm:alg type="sp"/>
+                  <dgm:shape xmlns:r="http://schemas.openxmlformats.org/officeDocument/2006/relationships" r:blip="">
+                    <dgm:adjLst/>
+                  </dgm:shape>
+                  <dgm:presOf/>
+                </dgm:layoutNode>
+              </dgm:if>
+              <dgm:else name="Name19"/>
+            </dgm:choose>
+            <dgm:layoutNode name="horz2">
+              <dgm:choose name="Name20">
+                <dgm:if name="Name21" func="var" arg="dir" op="equ" val="norm">
+                  <dgm:alg type="lin">
+                    <dgm:param type="linDir" val="fromL"/>
+                    <dgm:param type="nodeVertAlign" val="t"/>
+                  </dgm:alg>
+                </dgm:if>
+                <dgm:else name="Name22">
+                  <dgm:alg type="lin">
+                    <dgm:param type="linDir" val="fromR"/>
+                    <dgm:param type="nodeVertAlign" val="t"/>
+                  </dgm:alg>
+                </dgm:else>
+              </dgm:choose>
+              <dgm:shape xmlns:r="http://schemas.openxmlformats.org/officeDocument/2006/relationships" r:blip="">
+                <dgm:adjLst/>
+              </dgm:shape>
+              <dgm:presOf/>
+              <dgm:layoutNode name="horzSpace2">
+                <dgm:alg type="sp"/>
+                <dgm:shape xmlns:r="http://schemas.openxmlformats.org/officeDocument/2006/relationships" r:blip="">
+                  <dgm:adjLst/>
+                </dgm:shape>
+                <dgm:presOf/>
+              </dgm:layoutNode>
+              <dgm:layoutNode name="tx2" styleLbl="revTx">
+                <dgm:alg type="tx">
+                  <dgm:param type="parTxLTRAlign" val="l"/>
+                  <dgm:param type="parTxRTLAlign" val="r"/>
+                  <dgm:param type="txAnchorVert" val="t"/>
+                </dgm:alg>
+                <dgm:shape xmlns:r="http://schemas.openxmlformats.org/officeDocument/2006/relationships" type="rect" r:blip="">
+                  <dgm:adjLst/>
+                </dgm:shape>
+                <dgm:presOf axis="self"/>
+                <dgm:constrLst>
+                  <dgm:constr type="tMarg" refType="primFontSz" fact="0.3"/>
+                  <dgm:constr type="bMarg" refType="primFontSz" fact="0.3"/>
+                  <dgm:constr type="lMarg" refType="primFontSz" fact="0.3"/>
+                  <dgm:constr type="rMarg" refType="primFontSz" fact="0.3"/>
+                </dgm:constrLst>
+                <dgm:ruleLst>
+                  <dgm:rule type="primFontSz" val="5" fact="NaN" max="NaN"/>
+                </dgm:ruleLst>
+              </dgm:layoutNode>
+              <dgm:layoutNode name="vert2">
+                <dgm:choose name="Name23">
+                  <dgm:if name="Name24" func="var" arg="dir" op="equ" val="norm">
+                    <dgm:alg type="lin">
+                      <dgm:param type="linDir" val="fromT"/>
+                      <dgm:param type="nodeHorzAlign" val="l"/>
+                    </dgm:alg>
+                  </dgm:if>
+                  <dgm:else name="Name25">
+                    <dgm:alg type="lin">
+                      <dgm:param type="linDir" val="fromT"/>
+                      <dgm:param type="nodeHorzAlign" val="r"/>
+                    </dgm:alg>
+                  </dgm:else>
+                </dgm:choose>
+                <dgm:shape xmlns:r="http://schemas.openxmlformats.org/officeDocument/2006/relationships" r:blip="">
+                  <dgm:adjLst/>
+                </dgm:shape>
+                <dgm:presOf/>
+                <dgm:forEach name="Name26" axis="ch" ptType="node">
+                  <dgm:layoutNode name="horz3">
+                    <dgm:choose name="Name27">
+                      <dgm:if name="Name28" func="var" arg="dir" op="equ" val="norm">
+                        <dgm:alg type="lin">
+                          <dgm:param type="linDir" val="fromL"/>
+                          <dgm:param type="nodeVertAlign" val="t"/>
+                        </dgm:alg>
+                      </dgm:if>
+                      <dgm:else name="Name29">
+                        <dgm:alg type="lin">
+                          <dgm:param type="linDir" val="fromR"/>
+                          <dgm:param type="nodeVertAlign" val="t"/>
+                        </dgm:alg>
+                      </dgm:else>
+                    </dgm:choose>
+                    <dgm:shape xmlns:r="http://schemas.openxmlformats.org/officeDocument/2006/relationships" r:blip="">
+                      <dgm:adjLst/>
+                    </dgm:shape>
+                    <dgm:presOf/>
+                    <dgm:layoutNode name="horzSpace3">
+                      <dgm:alg type="sp"/>
+                      <dgm:shape xmlns:r="http://schemas.openxmlformats.org/officeDocument/2006/relationships" r:blip="">
+                        <dgm:adjLst/>
+                      </dgm:shape>
+                      <dgm:presOf/>
+                    </dgm:layoutNode>
+                    <dgm:layoutNode name="tx3" styleLbl="revTx">
+                      <dgm:alg type="tx">
+                        <dgm:param type="parTxLTRAlign" val="l"/>
+                        <dgm:param type="parTxRTLAlign" val="r"/>
+                        <dgm:param type="txAnchorVert" val="t"/>
+                      </dgm:alg>
+                      <dgm:shape xmlns:r="http://schemas.openxmlformats.org/officeDocument/2006/relationships" type="rect" r:blip="">
+                        <dgm:adjLst/>
+                      </dgm:shape>
+                      <dgm:presOf axis="self"/>
+                      <dgm:constrLst>
+                        <dgm:constr type="tMarg" refType="primFontSz" fact="0.3"/>
+                        <dgm:constr type="bMarg" refType="primFontSz" fact="0.3"/>
+                        <dgm:constr type="lMarg" refType="primFontSz" fact="0.3"/>
+                        <dgm:constr type="rMarg" refType="primFontSz" fact="0.3"/>
+                      </dgm:constrLst>
+                      <dgm:ruleLst>
+                        <dgm:rule type="primFontSz" val="5" fact="NaN" max="NaN"/>
+                      </dgm:ruleLst>
+                    </dgm:layoutNode>
+                    <dgm:layoutNode name="vert3">
+                      <dgm:choose name="Name30">
+                        <dgm:if name="Name31" func="var" arg="dir" op="equ" val="norm">
+                          <dgm:alg type="lin">
+                            <dgm:param type="linDir" val="fromT"/>
+                            <dgm:param type="nodeHorzAlign" val="l"/>
+                          </dgm:alg>
+                        </dgm:if>
+                        <dgm:else name="Name32">
+                          <dgm:alg type="lin">
+                            <dgm:param type="linDir" val="fromT"/>
+                            <dgm:param type="nodeHorzAlign" val="r"/>
+                          </dgm:alg>
+                        </dgm:else>
+                      </dgm:choose>
+                      <dgm:shape xmlns:r="http://schemas.openxmlformats.org/officeDocument/2006/relationships" r:blip="">
+                        <dgm:adjLst/>
+                      </dgm:shape>
+                      <dgm:presOf/>
+                      <dgm:forEach name="Name33" axis="ch" ptType="node">
+                        <dgm:layoutNode name="horz4">
+                          <dgm:choose name="Name34">
+                            <dgm:if name="Name35" func="var" arg="dir" op="equ" val="norm">
+                              <dgm:alg type="lin">
+                                <dgm:param type="linDir" val="fromL"/>
+                                <dgm:param type="nodeVertAlign" val="t"/>
+                              </dgm:alg>
+                            </dgm:if>
+                            <dgm:else name="Name36">
+                              <dgm:alg type="lin">
+                                <dgm:param type="linDir" val="fromR"/>
+                                <dgm:param type="nodeVertAlign" val="t"/>
+                              </dgm:alg>
+                            </dgm:else>
+                          </dgm:choose>
+                          <dgm:shape xmlns:r="http://schemas.openxmlformats.org/officeDocument/2006/relationships" r:blip="">
+                            <dgm:adjLst/>
+                          </dgm:shape>
+                          <dgm:presOf/>
+                          <dgm:layoutNode name="horzSpace4">
+                            <dgm:alg type="sp"/>
+                            <dgm:shape xmlns:r="http://schemas.openxmlformats.org/officeDocument/2006/relationships" r:blip="">
+                              <dgm:adjLst/>
+                            </dgm:shape>
+                            <dgm:presOf/>
+                          </dgm:layoutNode>
+                          <dgm:layoutNode name="tx4" styleLbl="revTx">
+                            <dgm:varLst>
+                              <dgm:bulletEnabled val="1"/>
+                            </dgm:varLst>
+                            <dgm:alg type="tx">
+                              <dgm:param type="parTxLTRAlign" val="l"/>
+                              <dgm:param type="parTxRTLAlign" val="r"/>
+                              <dgm:param type="txAnchorVert" val="t"/>
+                            </dgm:alg>
+                            <dgm:shape xmlns:r="http://schemas.openxmlformats.org/officeDocument/2006/relationships" type="rect" r:blip="">
+                              <dgm:adjLst/>
+                            </dgm:shape>
+                            <dgm:presOf axis="desOrSelf" ptType="node"/>
+                            <dgm:constrLst>
+                              <dgm:constr type="tMarg" refType="primFontSz" fact="0.3"/>
+                              <dgm:constr type="bMarg" refType="primFontSz" fact="0.3"/>
+                              <dgm:constr type="lMarg" refType="primFontSz" fact="0.3"/>
+                              <dgm:constr type="rMarg" refType="primFontSz" fact="0.3"/>
+                            </dgm:constrLst>
+                            <dgm:ruleLst>
+                              <dgm:rule type="primFontSz" val="5" fact="NaN" max="NaN"/>
+                            </dgm:ruleLst>
+                          </dgm:layoutNode>
+                        </dgm:layoutNode>
+                      </dgm:forEach>
+                    </dgm:layoutNode>
+                  </dgm:layoutNode>
+                  <dgm:forEach name="Name37" axis="followSib" ptType="sibTrans" cnt="1">
+                    <dgm:layoutNode name="thinLine3" styleLbl="callout">
+                      <dgm:alg type="sp"/>
+                      <dgm:shape xmlns:r="http://schemas.openxmlformats.org/officeDocument/2006/relationships" type="line" r:blip="">
+                        <dgm:adjLst/>
+                      </dgm:shape>
+                      <dgm:presOf/>
+                    </dgm:layoutNode>
+                  </dgm:forEach>
+                </dgm:forEach>
+              </dgm:layoutNode>
+            </dgm:layoutNode>
+            <dgm:layoutNode name="thinLine2b" styleLbl="callout">
+              <dgm:alg type="sp"/>
+              <dgm:shape xmlns:r="http://schemas.openxmlformats.org/officeDocument/2006/relationships" type="line" r:blip="">
+                <dgm:adjLst/>
+              </dgm:shape>
+              <dgm:presOf/>
+            </dgm:layoutNode>
+            <dgm:layoutNode name="vertSpace2b">
+              <dgm:alg type="sp"/>
+              <dgm:shape xmlns:r="http://schemas.openxmlformats.org/officeDocument/2006/relationships" r:blip="">
+                <dgm:adjLst/>
+              </dgm:shape>
+              <dgm:presOf/>
+            </dgm:layoutNode>
+          </dgm:forEach>
+        </dgm:layoutNode>
+      </dgm:layoutNode>
+    </dgm:forEach>
+  </dgm:layoutNode>
+</dgm:layoutDef>
+</file>
+
+<file path=ppt/diagrams/quickStyle1.xml><?xml version="1.0" encoding="utf-8"?>
+<dgm:styleDef xmlns:dgm="http://schemas.openxmlformats.org/drawingml/2006/diagram" xmlns:a="http://schemas.openxmlformats.org/drawingml/2006/main" uniqueId="urn:microsoft.com/office/officeart/2005/8/quickstyle/simple1">
+  <dgm:title val=""/>
+  <dgm:desc val=""/>
+  <dgm:catLst>
+    <dgm:cat type="simple" pri="10100"/>
+  </dgm:catLst>
+  <dgm:scene3d>
+    <a:camera prst="orthographicFront"/>
+    <a:lightRig rig="threePt" dir="t"/>
+  </dgm:scene3d>
+  <dgm:styleLbl name="node0">
+    <dgm:scene3d>
+      <a:camera prst="orthographicFront"/>
+      <a:lightRig rig="threePt" dir="t"/>
+    </dgm:scene3d>
+    <dgm:sp3d/>
+    <dgm:txPr/>
+    <dgm:style>
+      <a:lnRef idx="2">
+        <a:scrgbClr r="0" g="0" b="0"/>
+      </a:lnRef>
+      <a:fillRef idx="1">
+        <a:scrgbClr r="0" g="0" b="0"/>
+      </a:fillRef>
+      <a:effectRef idx="0">
+        <a:scrgbClr r="0" g="0" b="0"/>
+      </a:effectRef>
+      <a:fontRef idx="minor">
+        <a:schemeClr val="lt1"/>
+      </a:fontRef>
+    </dgm:style>
+  </dgm:styleLbl>
+  <dgm:styleLbl name="lnNode1">
+    <dgm:scene3d>
+      <a:camera prst="orthographicFront"/>
+      <a:lightRig rig="threePt" dir="t"/>
+    </dgm:scene3d>
+    <dgm:sp3d/>
+    <dgm:txPr/>
+    <dgm:style>
+      <a:lnRef idx="2">
+        <a:scrgbClr r="0" g="0" b="0"/>
+      </a:lnRef>
+      <a:fillRef idx="1">
+        <a:scrgbClr r="0" g="0" b="0"/>
+      </a:fillRef>
+      <a:effectRef idx="0">
+        <a:scrgbClr r="0" g="0" b="0"/>
+      </a:effectRef>
+      <a:fontRef idx="minor">
+        <a:schemeClr val="lt1"/>
+      </a:fontRef>
+    </dgm:style>
+  </dgm:styleLbl>
+  <dgm:styleLbl name="vennNode1">
+    <dgm:scene3d>
+      <a:camera prst="orthographicFront"/>
+      <a:lightRig rig="threePt" dir="t"/>
+    </dgm:scene3d>
+    <dgm:sp3d/>
+    <dgm:txPr/>
+    <dgm:style>
+      <a:lnRef idx="2">
+        <a:scrgbClr r="0" g="0" b="0"/>
+      </a:lnRef>
+      <a:fillRef idx="1">
+        <a:scrgbClr r="0" g="0" b="0"/>
+      </a:fillRef>
+      <a:effectRef idx="0">
+        <a:scrgbClr r="0" g="0" b="0"/>
+      </a:effectRef>
+      <a:fontRef idx="minor">
+        <a:schemeClr val="tx1"/>
+      </a:fontRef>
+    </dgm:style>
+  </dgm:styleLbl>
+  <dgm:styleLbl name="alignNode1">
+    <dgm:scene3d>
+      <a:camera prst="orthographicFront"/>
+      <a:lightRig rig="threePt" dir="t"/>
+    </dgm:scene3d>
+    <dgm:sp3d/>
+    <dgm:txPr/>
+    <dgm:style>
+      <a:lnRef idx="2">
+        <a:scrgbClr r="0" g="0" b="0"/>
+      </a:lnRef>
+      <a:fillRef idx="1">
+        <a:scrgbClr r="0" g="0" b="0"/>
+      </a:fillRef>
+      <a:effectRef idx="0">
+        <a:scrgbClr r="0" g="0" b="0"/>
+      </a:effectRef>
+      <a:fontRef idx="minor">
+        <a:schemeClr val="lt1"/>
+      </a:fontRef>
+    </dgm:style>
+  </dgm:styleLbl>
+  <dgm:styleLbl name="node1">
+    <dgm:scene3d>
+      <a:camera prst="orthographicFront"/>
+      <a:lightRig rig="threePt" dir="t"/>
+    </dgm:scene3d>
+    <dgm:sp3d/>
+    <dgm:txPr/>
+    <dgm:style>
+      <a:lnRef idx="2">
+        <a:scrgbClr r="0" g="0" b="0"/>
+      </a:lnRef>
+      <a:fillRef idx="1">
+        <a:scrgbClr r="0" g="0" b="0"/>
+      </a:fillRef>
+      <a:effectRef idx="0">
+        <a:scrgbClr r="0" g="0" b="0"/>
+      </a:effectRef>
+      <a:fontRef idx="minor">
+        <a:schemeClr val="lt1"/>
+      </a:fontRef>
+    </dgm:style>
+  </dgm:styleLbl>
+  <dgm:styleLbl name="node2">
+    <dgm:scene3d>
+      <a:camera prst="orthographicFront"/>
+      <a:lightRig rig="threePt" dir="t"/>
+    </dgm:scene3d>
+    <dgm:sp3d/>
+    <dgm:txPr/>
+    <dgm:style>
+      <a:lnRef idx="2">
+        <a:scrgbClr r="0" g="0" b="0"/>
+      </a:lnRef>
+      <a:fillRef idx="1">
+        <a:scrgbClr r="0" g="0" b="0"/>
+      </a:fillRef>
+      <a:effectRef idx="0">
+        <a:scrgbClr r="0" g="0" b="0"/>
+      </a:effectRef>
+      <a:fontRef idx="minor">
+        <a:schemeClr val="lt1"/>
+      </a:fontRef>
+    </dgm:style>
+  </dgm:styleLbl>
+  <dgm:styleLbl name="node3">
+    <dgm:scene3d>
+      <a:camera prst="orthographicFront"/>
+      <a:lightRig rig="threePt" dir="t"/>
+    </dgm:scene3d>
+    <dgm:sp3d/>
+    <dgm:txPr/>
+    <dgm:style>
+      <a:lnRef idx="2">
+        <a:scrgbClr r="0" g="0" b="0"/>
+      </a:lnRef>
+      <a:fillRef idx="1">
+        <a:scrgbClr r="0" g="0" b="0"/>
+      </a:fillRef>
+      <a:effectRef idx="0">
+        <a:scrgbClr r="0" g="0" b="0"/>
+      </a:effectRef>
+      <a:fontRef idx="minor">
+        <a:schemeClr val="lt1"/>
+      </a:fontRef>
+    </dgm:style>
+  </dgm:styleLbl>
+  <dgm:styleLbl name="node4">
+    <dgm:scene3d>
+      <a:camera prst="orthographicFront"/>
+      <a:lightRig rig="threePt" dir="t"/>
+    </dgm:scene3d>
+    <dgm:sp3d/>
+    <dgm:txPr/>
+    <dgm:style>
+      <a:lnRef idx="2">
+        <a:scrgbClr r="0" g="0" b="0"/>
+      </a:lnRef>
+      <a:fillRef idx="1">
+        <a:scrgbClr r="0" g="0" b="0"/>
+      </a:fillRef>
+      <a:effectRef idx="0">
+        <a:scrgbClr r="0" g="0" b="0"/>
+      </a:effectRef>
+      <a:fontRef idx="minor">
+        <a:schemeClr val="lt1"/>
+      </a:fontRef>
+    </dgm:style>
+  </dgm:styleLbl>
+  <dgm:styleLbl name="fgImgPlace1">
+    <dgm:scene3d>
+      <a:camera prst="orthographicFront"/>
+      <a:lightRig rig="threePt" dir="t"/>
+    </dgm:scene3d>
+    <dgm:sp3d/>
+    <dgm:txPr/>
+    <dgm:style>
+      <a:lnRef idx="2">
+        <a:scrgbClr r="0" g="0" b="0"/>
+      </a:lnRef>
+      <a:fillRef idx="1">
+        <a:scrgbClr r="0" g="0" b="0"/>
+      </a:fillRef>
+      <a:effectRef idx="0">
+        <a:scrgbClr r="0" g="0" b="0"/>
+      </a:effectRef>
+      <a:fontRef idx="minor"/>
+    </dgm:style>
+  </dgm:styleLbl>
+  <dgm:styleLbl name="alignImgPlace1">
+    <dgm:scene3d>
+      <a:camera prst="orthographicFront"/>
+      <a:lightRig rig="threePt" dir="t"/>
+    </dgm:scene3d>
+    <dgm:sp3d/>
+    <dgm:txPr/>
+    <dgm:style>
+      <a:lnRef idx="2">
+        <a:scrgbClr r="0" g="0" b="0"/>
+      </a:lnRef>
+      <a:fillRef idx="1">
+        <a:scrgbClr r="0" g="0" b="0"/>
+      </a:fillRef>
+      <a:effectRef idx="0">
+        <a:scrgbClr r="0" g="0" b="0"/>
+      </a:effectRef>
+      <a:fontRef idx="minor"/>
+    </dgm:style>
+  </dgm:styleLbl>
+  <dgm:styleLbl name="bgImgPlace1">
+    <dgm:scene3d>
+      <a:camera prst="orthographicFront"/>
+      <a:lightRig rig="threePt" dir="t"/>
+    </dgm:scene3d>
+    <dgm:sp3d/>
+    <dgm:txPr/>
+    <dgm:style>
+      <a:lnRef idx="2">
+        <a:scrgbClr r="0" g="0" b="0"/>
+      </a:lnRef>
+      <a:fillRef idx="1">
+        <a:scrgbClr r="0" g="0" b="0"/>
+      </a:fillRef>
+      <a:effectRef idx="0">
+        <a:scrgbClr r="0" g="0" b="0"/>
+      </a:effectRef>
+      <a:fontRef idx="minor"/>
+    </dgm:style>
+  </dgm:styleLbl>
+  <dgm:styleLbl name="sibTrans2D1">
+    <dgm:scene3d>
+      <a:camera prst="orthographicFront"/>
+      <a:lightRig rig="threePt" dir="t"/>
+    </dgm:scene3d>
+    <dgm:sp3d/>
+    <dgm:txPr/>
+    <dgm:style>
+      <a:lnRef idx="0">
+        <a:scrgbClr r="0" g="0" b="0"/>
+      </a:lnRef>
+      <a:fillRef idx="1">
+        <a:scrgbClr r="0" g="0" b="0"/>
+      </a:fillRef>
+      <a:effectRef idx="0">
+        <a:scrgbClr r="0" g="0" b="0"/>
+      </a:effectRef>
+      <a:fontRef idx="minor">
+        <a:schemeClr val="lt1"/>
+      </a:fontRef>
+    </dgm:style>
+  </dgm:styleLbl>
+  <dgm:styleLbl name="fgSibTrans2D1">
+    <dgm:scene3d>
+      <a:camera prst="orthographicFront"/>
+      <a:lightRig rig="threePt" dir="t"/>
+    </dgm:scene3d>
+    <dgm:sp3d/>
+    <dgm:txPr/>
+    <dgm:style>
+      <a:lnRef idx="0">
+        <a:scrgbClr r="0" g="0" b="0"/>
+      </a:lnRef>
+      <a:fillRef idx="1">
+        <a:scrgbClr r="0" g="0" b="0"/>
+      </a:fillRef>
+      <a:effectRef idx="0">
+        <a:scrgbClr r="0" g="0" b="0"/>
+      </a:effectRef>
+      <a:fontRef idx="minor">
+        <a:schemeClr val="lt1"/>
+      </a:fontRef>
+    </dgm:style>
+  </dgm:styleLbl>
+  <dgm:styleLbl name="bgSibTrans2D1">
+    <dgm:scene3d>
+      <a:camera prst="orthographicFront"/>
+      <a:lightRig rig="threePt" dir="t"/>
+    </dgm:scene3d>
+    <dgm:sp3d/>
+    <dgm:txPr/>
+    <dgm:style>
+      <a:lnRef idx="0">
+        <a:scrgbClr r="0" g="0" b="0"/>
+      </a:lnRef>
+      <a:fillRef idx="1">
+        <a:scrgbClr r="0" g="0" b="0"/>
+      </a:fillRef>
+      <a:effectRef idx="0">
+        <a:scrgbClr r="0" g="0" b="0"/>
+      </a:effectRef>
+      <a:fontRef idx="minor">
+        <a:schemeClr val="lt1"/>
+      </a:fontRef>
+    </dgm:style>
+  </dgm:styleLbl>
+  <dgm:styleLbl name="sibTrans1D1">
+    <dgm:scene3d>
+      <a:camera prst="orthographicFront"/>
+      <a:lightRig rig="threePt" dir="t"/>
+    </dgm:scene3d>
+    <dgm:sp3d/>
+    <dgm:txPr/>
+    <dgm:style>
+      <a:lnRef idx="1">
+        <a:scrgbClr r="0" g="0" b="0"/>
+      </a:lnRef>
+      <a:fillRef idx="0">
+        <a:scrgbClr r="0" g="0" b="0"/>
+      </a:fillRef>
+      <a:effectRef idx="0">
+        <a:scrgbClr r="0" g="0" b="0"/>
+      </a:effectRef>
+      <a:fontRef idx="minor"/>
+    </dgm:style>
+  </dgm:styleLbl>
+  <dgm:styleLbl name="callout">
+    <dgm:scene3d>
+      <a:camera prst="orthographicFront"/>
+      <a:lightRig rig="threePt" dir="t"/>
+    </dgm:scene3d>
+    <dgm:sp3d/>
+    <dgm:txPr/>
+    <dgm:style>
+      <a:lnRef idx="2">
+        <a:scrgbClr r="0" g="0" b="0"/>
+      </a:lnRef>
+      <a:fillRef idx="1">
+        <a:scrgbClr r="0" g="0" b="0"/>
+      </a:fillRef>
+      <a:effectRef idx="0">
+        <a:scrgbClr r="0" g="0" b="0"/>
+      </a:effectRef>
+      <a:fontRef idx="minor"/>
+    </dgm:style>
+  </dgm:styleLbl>
+  <dgm:styleLbl name="asst0">
+    <dgm:scene3d>
+      <a:camera prst="orthographicFront"/>
+      <a:lightRig rig="threePt" dir="t"/>
+    </dgm:scene3d>
+    <dgm:sp3d/>
+    <dgm:txPr/>
+    <dgm:style>
+      <a:lnRef idx="2">
+        <a:scrgbClr r="0" g="0" b="0"/>
+      </a:lnRef>
+      <a:fillRef idx="1">
+        <a:scrgbClr r="0" g="0" b="0"/>
+      </a:fillRef>
+      <a:effectRef idx="0">
+        <a:scrgbClr r="0" g="0" b="0"/>
+      </a:effectRef>
+      <a:fontRef idx="minor">
+        <a:schemeClr val="lt1"/>
+      </a:fontRef>
+    </dgm:style>
+  </dgm:styleLbl>
+  <dgm:styleLbl name="asst1">
+    <dgm:scene3d>
+      <a:camera prst="orthographicFront"/>
+      <a:lightRig rig="threePt" dir="t"/>
+    </dgm:scene3d>
+    <dgm:sp3d/>
+    <dgm:txPr/>
+    <dgm:style>
+      <a:lnRef idx="2">
+        <a:scrgbClr r="0" g="0" b="0"/>
+      </a:lnRef>
+      <a:fillRef idx="1">
+        <a:scrgbClr r="0" g="0" b="0"/>
+      </a:fillRef>
+      <a:effectRef idx="0">
+        <a:scrgbClr r="0" g="0" b="0"/>
+      </a:effectRef>
+      <a:fontRef idx="minor">
+        <a:schemeClr val="lt1"/>
+      </a:fontRef>
+    </dgm:style>
+  </dgm:styleLbl>
+  <dgm:styleLbl name="asst2">
+    <dgm:scene3d>
+      <a:camera prst="orthographicFront"/>
+      <a:lightRig rig="threePt" dir="t"/>
+    </dgm:scene3d>
+    <dgm:sp3d/>
+    <dgm:txPr/>
+    <dgm:style>
+      <a:lnRef idx="2">
+        <a:scrgbClr r="0" g="0" b="0"/>
+      </a:lnRef>
+      <a:fillRef idx="1">
+        <a:scrgbClr r="0" g="0" b="0"/>
+      </a:fillRef>
+      <a:effectRef idx="0">
+        <a:scrgbClr r="0" g="0" b="0"/>
+      </a:effectRef>
+      <a:fontRef idx="minor">
+        <a:schemeClr val="lt1"/>
+      </a:fontRef>
+    </dgm:style>
+  </dgm:styleLbl>
+  <dgm:styleLbl name="asst3">
+    <dgm:scene3d>
+      <a:camera prst="orthographicFront"/>
+      <a:lightRig rig="threePt" dir="t"/>
+    </dgm:scene3d>
+    <dgm:sp3d/>
+    <dgm:txPr/>
+    <dgm:style>
+      <a:lnRef idx="2">
+        <a:scrgbClr r="0" g="0" b="0"/>
+      </a:lnRef>
+      <a:fillRef idx="1">
+        <a:scrgbClr r="0" g="0" b="0"/>
+      </a:fillRef>
+      <a:effectRef idx="0">
+        <a:scrgbClr r="0" g="0" b="0"/>
+      </a:effectRef>
+      <a:fontRef idx="minor">
+        <a:schemeClr val="lt1"/>
+      </a:fontRef>
+    </dgm:style>
+  </dgm:styleLbl>
+  <dgm:styleLbl name="asst4">
+    <dgm:scene3d>
+      <a:camera prst="orthographicFront"/>
+      <a:lightRig rig="threePt" dir="t"/>
+    </dgm:scene3d>
+    <dgm:sp3d/>
+    <dgm:txPr/>
+    <dgm:style>
+      <a:lnRef idx="2">
+        <a:scrgbClr r="0" g="0" b="0"/>
+      </a:lnRef>
+      <a:fillRef idx="1">
+        <a:scrgbClr r="0" g="0" b="0"/>
+      </a:fillRef>
+      <a:effectRef idx="0">
+        <a:scrgbClr r="0" g="0" b="0"/>
+      </a:effectRef>
+      <a:fontRef idx="minor">
+        <a:schemeClr val="lt1"/>
+      </a:fontRef>
+    </dgm:style>
+  </dgm:styleLbl>
+  <dgm:styleLbl name="parChTrans2D1">
+    <dgm:scene3d>
+      <a:camera prst="orthographicFront"/>
+      <a:lightRig rig="threePt" dir="t"/>
+    </dgm:scene3d>
+    <dgm:sp3d/>
+    <dgm:txPr/>
+    <dgm:style>
+      <a:lnRef idx="2">
+        <a:scrgbClr r="0" g="0" b="0"/>
+      </a:lnRef>
+      <a:fillRef idx="1">
+        <a:scrgbClr r="0" g="0" b="0"/>
+      </a:fillRef>
+      <a:effectRef idx="0">
+        <a:scrgbClr r="0" g="0" b="0"/>
+      </a:effectRef>
+      <a:fontRef idx="minor">
+        <a:schemeClr val="lt1"/>
+      </a:fontRef>
+    </dgm:style>
+  </dgm:styleLbl>
+  <dgm:styleLbl name="parChTrans2D2">
+    <dgm:scene3d>
+      <a:camera prst="orthographicFront"/>
+      <a:lightRig rig="threePt" dir="t"/>
+    </dgm:scene3d>
+    <dgm:sp3d/>
+    <dgm:txPr/>
+    <dgm:style>
+      <a:lnRef idx="2">
+        <a:scrgbClr r="0" g="0" b="0"/>
+      </a:lnRef>
+      <a:fillRef idx="1">
+        <a:scrgbClr r="0" g="0" b="0"/>
+      </a:fillRef>
+      <a:effectRef idx="0">
+        <a:scrgbClr r="0" g="0" b="0"/>
+      </a:effectRef>
+      <a:fontRef idx="minor">
+        <a:schemeClr val="lt1"/>
+      </a:fontRef>
+    </dgm:style>
+  </dgm:styleLbl>
+  <dgm:styleLbl name="parChTrans2D3">
+    <dgm:scene3d>
+      <a:camera prst="orthographicFront"/>
+      <a:lightRig rig="threePt" dir="t"/>
+    </dgm:scene3d>
+    <dgm:sp3d/>
+    <dgm:txPr/>
+    <dgm:style>
+      <a:lnRef idx="2">
+        <a:scrgbClr r="0" g="0" b="0"/>
+      </a:lnRef>
+      <a:fillRef idx="1">
+        <a:scrgbClr r="0" g="0" b="0"/>
+      </a:fillRef>
+      <a:effectRef idx="0">
+        <a:scrgbClr r="0" g="0" b="0"/>
+      </a:effectRef>
+      <a:fontRef idx="minor">
+        <a:schemeClr val="lt1"/>
+      </a:fontRef>
+    </dgm:style>
+  </dgm:styleLbl>
+  <dgm:styleLbl name="parChTrans2D4">
+    <dgm:scene3d>
+      <a:camera prst="orthographicFront"/>
+      <a:lightRig rig="threePt" dir="t"/>
+    </dgm:scene3d>
+    <dgm:sp3d/>
+    <dgm:txPr/>
+    <dgm:style>
+      <a:lnRef idx="2">
+        <a:scrgbClr r="0" g="0" b="0"/>
+      </a:lnRef>
+      <a:fillRef idx="1">
+        <a:scrgbClr r="0" g="0" b="0"/>
+      </a:fillRef>
+      <a:effectRef idx="0">
+        <a:scrgbClr r="0" g="0" b="0"/>
+      </a:effectRef>
+      <a:fontRef idx="minor">
+        <a:schemeClr val="lt1"/>
+      </a:fontRef>
+    </dgm:style>
+  </dgm:styleLbl>
+  <dgm:styleLbl name="parChTrans1D1">
+    <dgm:scene3d>
+      <a:camera prst="orthographicFront"/>
+      <a:lightRig rig="threePt" dir="t"/>
+    </dgm:scene3d>
+    <dgm:sp3d/>
+    <dgm:txPr/>
+    <dgm:style>
+      <a:lnRef idx="2">
+        <a:scrgbClr r="0" g="0" b="0"/>
+      </a:lnRef>
+      <a:fillRef idx="0">
+        <a:scrgbClr r="0" g="0" b="0"/>
+      </a:fillRef>
+      <a:effectRef idx="0">
+        <a:scrgbClr r="0" g="0" b="0"/>
+      </a:effectRef>
+      <a:fontRef idx="minor"/>
+    </dgm:style>
+  </dgm:styleLbl>
+  <dgm:styleLbl name="parChTrans1D2">
+    <dgm:scene3d>
+      <a:camera prst="orthographicFront"/>
+      <a:lightRig rig="threePt" dir="t"/>
+    </dgm:scene3d>
+    <dgm:sp3d/>
+    <dgm:txPr/>
+    <dgm:style>
+      <a:lnRef idx="2">
+        <a:scrgbClr r="0" g="0" b="0"/>
+      </a:lnRef>
+      <a:fillRef idx="0">
+        <a:scrgbClr r="0" g="0" b="0"/>
+      </a:fillRef>
+      <a:effectRef idx="0">
+        <a:scrgbClr r="0" g="0" b="0"/>
+      </a:effectRef>
+      <a:fontRef idx="minor"/>
+    </dgm:style>
+  </dgm:styleLbl>
+  <dgm:styleLbl name="parChTrans1D3">
+    <dgm:scene3d>
+      <a:camera prst="orthographicFront"/>
+      <a:lightRig rig="threePt" dir="t"/>
+    </dgm:scene3d>
+    <dgm:sp3d/>
+    <dgm:txPr/>
+    <dgm:style>
+      <a:lnRef idx="2">
+        <a:scrgbClr r="0" g="0" b="0"/>
+      </a:lnRef>
+      <a:fillRef idx="0">
+        <a:scrgbClr r="0" g="0" b="0"/>
+      </a:fillRef>
+      <a:effectRef idx="0">
+        <a:scrgbClr r="0" g="0" b="0"/>
+      </a:effectRef>
+      <a:fontRef idx="minor"/>
+    </dgm:style>
+  </dgm:styleLbl>
+  <dgm:styleLbl name="parChTrans1D4">
+    <dgm:scene3d>
+      <a:camera prst="orthographicFront"/>
+      <a:lightRig rig="threePt" dir="t"/>
+    </dgm:scene3d>
+    <dgm:sp3d/>
+    <dgm:txPr/>
+    <dgm:style>
+      <a:lnRef idx="2">
+        <a:scrgbClr r="0" g="0" b="0"/>
+      </a:lnRef>
+      <a:fillRef idx="0">
+        <a:scrgbClr r="0" g="0" b="0"/>
+      </a:fillRef>
+      <a:effectRef idx="0">
+        <a:scrgbClr r="0" g="0" b="0"/>
+      </a:effectRef>
+      <a:fontRef idx="minor"/>
+    </dgm:style>
+  </dgm:styleLbl>
+  <dgm:styleLbl name="fgAcc1">
+    <dgm:scene3d>
+      <a:camera prst="orthographicFront"/>
+      <a:lightRig rig="threePt" dir="t"/>
+    </dgm:scene3d>
+    <dgm:sp3d/>
+    <dgm:txPr/>
+    <dgm:style>
+      <a:lnRef idx="2">
+        <a:scrgbClr r="0" g="0" b="0"/>
+      </a:lnRef>
+      <a:fillRef idx="1">
+        <a:scrgbClr r="0" g="0" b="0"/>
+      </a:fillRef>
+      <a:effectRef idx="0">
+        <a:scrgbClr r="0" g="0" b="0"/>
+      </a:effectRef>
+      <a:fontRef idx="minor"/>
+    </dgm:style>
+  </dgm:styleLbl>
+  <dgm:styleLbl name="conFgAcc1">
+    <dgm:scene3d>
+      <a:camera prst="orthographicFront"/>
+      <a:lightRig rig="threePt" dir="t"/>
+    </dgm:scene3d>
+    <dgm:sp3d/>
+    <dgm:txPr/>
+    <dgm:style>
+      <a:lnRef idx="2">
+        <a:scrgbClr r="0" g="0" b="0"/>
+      </a:lnRef>
+      <a:fillRef idx="1">
+        <a:scrgbClr r="0" g="0" b="0"/>
+      </a:fillRef>
+      <a:effectRef idx="0">
+        <a:scrgbClr r="0" g="0" b="0"/>
+      </a:effectRef>
+      <a:fontRef idx="minor"/>
+    </dgm:style>
+  </dgm:styleLbl>
+  <dgm:styleLbl name="alignAcc1">
+    <dgm:scene3d>
+      <a:camera prst="orthographicFront"/>
+      <a:lightRig rig="threePt" dir="t"/>
+    </dgm:scene3d>
+    <dgm:sp3d/>
+    <dgm:txPr/>
+    <dgm:style>
+      <a:lnRef idx="2">
+        <a:scrgbClr r="0" g="0" b="0"/>
+      </a:lnRef>
+      <a:fillRef idx="1">
+        <a:scrgbClr r="0" g="0" b="0"/>
+      </a:fillRef>
+      <a:effectRef idx="0">
+        <a:scrgbClr r="0" g="0" b="0"/>
+      </a:effectRef>
+      <a:fontRef idx="minor"/>
+    </dgm:style>
+  </dgm:styleLbl>
+  <dgm:styleLbl name="trAlignAcc1">
+    <dgm:scene3d>
+      <a:camera prst="orthographicFront"/>
+      <a:lightRig rig="threePt" dir="t"/>
+    </dgm:scene3d>
+    <dgm:sp3d/>
+    <dgm:txPr/>
+    <dgm:style>
+      <a:lnRef idx="1">
+        <a:scrgbClr r="0" g="0" b="0"/>
+      </a:lnRef>
+      <a:fillRef idx="1">
+        <a:scrgbClr r="0" g="0" b="0"/>
+      </a:fillRef>
+      <a:effectRef idx="0">
+        <a:scrgbClr r="0" g="0" b="0"/>
+      </a:effectRef>
+      <a:fontRef idx="minor"/>
+    </dgm:style>
+  </dgm:styleLbl>
+  <dgm:styleLbl name="bgAcc1">
+    <dgm:scene3d>
+      <a:camera prst="orthographicFront"/>
+      <a:lightRig rig="threePt" dir="t"/>
+    </dgm:scene3d>
+    <dgm:sp3d/>
+    <dgm:txPr/>
+    <dgm:style>
+      <a:lnRef idx="2">
+        <a:scrgbClr r="0" g="0" b="0"/>
+      </a:lnRef>
+      <a:fillRef idx="1">
+        <a:scrgbClr r="0" g="0" b="0"/>
+      </a:fillRef>
+      <a:effectRef idx="0">
+        <a:scrgbClr r="0" g="0" b="0"/>
+      </a:effectRef>
+      <a:fontRef idx="minor"/>
+    </dgm:style>
+  </dgm:styleLbl>
+  <dgm:styleLbl name="solidFgAcc1">
+    <dgm:scene3d>
+      <a:camera prst="orthographicFront"/>
+      <a:lightRig rig="threePt" dir="t"/>
+    </dgm:scene3d>
+    <dgm:sp3d/>
+    <dgm:txPr/>
+    <dgm:style>
+      <a:lnRef idx="2">
+        <a:scrgbClr r="0" g="0" b="0"/>
+      </a:lnRef>
+      <a:fillRef idx="1">
+        <a:scrgbClr r="0" g="0" b="0"/>
+      </a:fillRef>
+      <a:effectRef idx="0">
+        <a:scrgbClr r="0" g="0" b="0"/>
+      </a:effectRef>
+      <a:fontRef idx="minor"/>
+    </dgm:style>
+  </dgm:styleLbl>
+  <dgm:styleLbl name="solidAlignAcc1">
+    <dgm:scene3d>
+      <a:camera prst="orthographicFront"/>
+      <a:lightRig rig="threePt" dir="t"/>
+    </dgm:scene3d>
+    <dgm:sp3d/>
+    <dgm:txPr/>
+    <dgm:style>
+      <a:lnRef idx="2">
+        <a:scrgbClr r="0" g="0" b="0"/>
+      </a:lnRef>
+      <a:fillRef idx="1">
+        <a:scrgbClr r="0" g="0" b="0"/>
+      </a:fillRef>
+      <a:effectRef idx="0">
+        <a:scrgbClr r="0" g="0" b="0"/>
+      </a:effectRef>
+      <a:fontRef idx="minor"/>
+    </dgm:style>
+  </dgm:styleLbl>
+  <dgm:styleLbl name="solidBgAcc1">
+    <dgm:scene3d>
+      <a:camera prst="orthographicFront"/>
+      <a:lightRig rig="threePt" dir="t"/>
+    </dgm:scene3d>
+    <dgm:sp3d/>
+    <dgm:txPr/>
+    <dgm:style>
+      <a:lnRef idx="2">
+        <a:scrgbClr r="0" g="0" b="0"/>
+      </a:lnRef>
+      <a:fillRef idx="1">
+        <a:scrgbClr r="0" g="0" b="0"/>
+      </a:fillRef>
+      <a:effectRef idx="0">
+        <a:scrgbClr r="0" g="0" b="0"/>
+      </a:effectRef>
+      <a:fontRef idx="minor"/>
+    </dgm:style>
+  </dgm:styleLbl>
+  <dgm:styleLbl name="fgAccFollowNode1">
+    <dgm:scene3d>
+      <a:camera prst="orthographicFront"/>
+      <a:lightRig rig="threePt" dir="t"/>
+    </dgm:scene3d>
+    <dgm:sp3d/>
+    <dgm:txPr/>
+    <dgm:style>
+      <a:lnRef idx="2">
+        <a:scrgbClr r="0" g="0" b="0"/>
+      </a:lnRef>
+      <a:fillRef idx="1">
+        <a:scrgbClr r="0" g="0" b="0"/>
+      </a:fillRef>
+      <a:effectRef idx="0">
+        <a:scrgbClr r="0" g="0" b="0"/>
+      </a:effectRef>
+      <a:fontRef idx="minor"/>
+    </dgm:style>
+  </dgm:styleLbl>
+  <dgm:styleLbl name="alignAccFollowNode1">
+    <dgm:scene3d>
+      <a:camera prst="orthographicFront"/>
+      <a:lightRig rig="threePt" dir="t"/>
+    </dgm:scene3d>
+    <dgm:sp3d/>
+    <dgm:txPr/>
+    <dgm:style>
+      <a:lnRef idx="2">
+        <a:scrgbClr r="0" g="0" b="0"/>
+      </a:lnRef>
+      <a:fillRef idx="1">
+        <a:scrgbClr r="0" g="0" b="0"/>
+      </a:fillRef>
+      <a:effectRef idx="0">
+        <a:scrgbClr r="0" g="0" b="0"/>
+      </a:effectRef>
+      <a:fontRef idx="minor"/>
+    </dgm:style>
+  </dgm:styleLbl>
+  <dgm:styleLbl name="bgAccFollowNode1">
+    <dgm:scene3d>
+      <a:camera prst="orthographicFront"/>
+      <a:lightRig rig="threePt" dir="t"/>
+    </dgm:scene3d>
+    <dgm:sp3d/>
+    <dgm:txPr/>
+    <dgm:style>
+      <a:lnRef idx="2">
+        <a:scrgbClr r="0" g="0" b="0"/>
+      </a:lnRef>
+      <a:fillRef idx="1">
+        <a:scrgbClr r="0" g="0" b="0"/>
+      </a:fillRef>
+      <a:effectRef idx="0">
+        <a:scrgbClr r="0" g="0" b="0"/>
+      </a:effectRef>
+      <a:fontRef idx="minor"/>
+    </dgm:style>
+  </dgm:styleLbl>
+  <dgm:styleLbl name="fgAcc0">
+    <dgm:scene3d>
+      <a:camera prst="orthographicFront"/>
+      <a:lightRig rig="threePt" dir="t"/>
+    </dgm:scene3d>
+    <dgm:sp3d/>
+    <dgm:txPr/>
+    <dgm:style>
+      <a:lnRef idx="2">
+        <a:scrgbClr r="0" g="0" b="0"/>
+      </a:lnRef>
+      <a:fillRef idx="1">
+        <a:scrgbClr r="0" g="0" b="0"/>
+      </a:fillRef>
+      <a:effectRef idx="0">
+        <a:scrgbClr r="0" g="0" b="0"/>
+      </a:effectRef>
+      <a:fontRef idx="minor"/>
+    </dgm:style>
+  </dgm:styleLbl>
+  <dgm:styleLbl name="fgAcc2">
+    <dgm:scene3d>
+      <a:camera prst="orthographicFront"/>
+      <a:lightRig rig="threePt" dir="t"/>
+    </dgm:scene3d>
+    <dgm:sp3d/>
+    <dgm:txPr/>
+    <dgm:style>
+      <a:lnRef idx="2">
+        <a:scrgbClr r="0" g="0" b="0"/>
+      </a:lnRef>
+      <a:fillRef idx="1">
+        <a:scrgbClr r="0" g="0" b="0"/>
+      </a:fillRef>
+      <a:effectRef idx="0">
+        <a:scrgbClr r="0" g="0" b="0"/>
+      </a:effectRef>
+      <a:fontRef idx="minor"/>
+    </dgm:style>
+  </dgm:styleLbl>
+  <dgm:styleLbl name="fgAcc3">
+    <dgm:scene3d>
+      <a:camera prst="orthographicFront"/>
+      <a:lightRig rig="threePt" dir="t"/>
+    </dgm:scene3d>
+    <dgm:sp3d/>
+    <dgm:txPr/>
+    <dgm:style>
+      <a:lnRef idx="2">
+        <a:scrgbClr r="0" g="0" b="0"/>
+      </a:lnRef>
+      <a:fillRef idx="1">
+        <a:scrgbClr r="0" g="0" b="0"/>
+      </a:fillRef>
+      <a:effectRef idx="0">
+        <a:scrgbClr r="0" g="0" b="0"/>
+      </a:effectRef>
+      <a:fontRef idx="minor"/>
+    </dgm:style>
+  </dgm:styleLbl>
+  <dgm:styleLbl name="fgAcc4">
+    <dgm:scene3d>
+      <a:camera prst="orthographicFront"/>
+      <a:lightRig rig="threePt" dir="t"/>
+    </dgm:scene3d>
+    <dgm:sp3d/>
+    <dgm:txPr/>
+    <dgm:style>
+      <a:lnRef idx="2">
+        <a:scrgbClr r="0" g="0" b="0"/>
+      </a:lnRef>
+      <a:fillRef idx="1">
+        <a:scrgbClr r="0" g="0" b="0"/>
+      </a:fillRef>
+      <a:effectRef idx="0">
+        <a:scrgbClr r="0" g="0" b="0"/>
+      </a:effectRef>
+      <a:fontRef idx="minor"/>
+    </dgm:style>
+  </dgm:styleLbl>
+  <dgm:styleLbl name="bgShp">
+    <dgm:scene3d>
+      <a:camera prst="orthographicFront"/>
+      <a:lightRig rig="threePt" dir="t"/>
+    </dgm:scene3d>
+    <dgm:sp3d/>
+    <dgm:txPr/>
+    <dgm:style>
+      <a:lnRef idx="0">
+        <a:scrgbClr r="0" g="0" b="0"/>
+      </a:lnRef>
+      <a:fillRef idx="1">
+        <a:scrgbClr r="0" g="0" b="0"/>
+      </a:fillRef>
+      <a:effectRef idx="0">
+        <a:scrgbClr r="0" g="0" b="0"/>
+      </a:effectRef>
+      <a:fontRef idx="minor"/>
+    </dgm:style>
+  </dgm:styleLbl>
+  <dgm:styleLbl name="dkBgShp">
+    <dgm:scene3d>
+      <a:camera prst="orthographicFront"/>
+      <a:lightRig rig="threePt" dir="t"/>
+    </dgm:scene3d>
+    <dgm:sp3d/>
+    <dgm:txPr/>
+    <dgm:style>
+      <a:lnRef idx="0">
+        <a:scrgbClr r="0" g="0" b="0"/>
+      </a:lnRef>
+      <a:fillRef idx="1">
+        <a:scrgbClr r="0" g="0" b="0"/>
+      </a:fillRef>
+      <a:effectRef idx="0">
+        <a:scrgbClr r="0" g="0" b="0"/>
+      </a:effectRef>
+      <a:fontRef idx="minor"/>
+    </dgm:style>
+  </dgm:styleLbl>
+  <dgm:styleLbl name="trBgShp">
+    <dgm:scene3d>
+      <a:camera prst="orthographicFront"/>
+      <a:lightRig rig="threePt" dir="t"/>
+    </dgm:scene3d>
+    <dgm:sp3d/>
+    <dgm:txPr/>
+    <dgm:style>
+      <a:lnRef idx="0">
+        <a:scrgbClr r="0" g="0" b="0"/>
+      </a:lnRef>
+      <a:fillRef idx="1">
+        <a:scrgbClr r="0" g="0" b="0"/>
+      </a:fillRef>
+      <a:effectRef idx="0">
+        <a:scrgbClr r="0" g="0" b="0"/>
+      </a:effectRef>
+      <a:fontRef idx="minor"/>
+    </dgm:style>
+  </dgm:styleLbl>
+  <dgm:styleLbl name="fgShp">
+    <dgm:scene3d>
+      <a:camera prst="orthographicFront"/>
+      <a:lightRig rig="threePt" dir="t"/>
+    </dgm:scene3d>
+    <dgm:sp3d/>
+    <dgm:txPr/>
+    <dgm:style>
+      <a:lnRef idx="2">
+        <a:scrgbClr r="0" g="0" b="0"/>
+      </a:lnRef>
+      <a:fillRef idx="1">
+        <a:scrgbClr r="0" g="0" b="0"/>
+      </a:fillRef>
+      <a:effectRef idx="0">
+        <a:scrgbClr r="0" g="0" b="0"/>
+      </a:effectRef>
+      <a:fontRef idx="minor"/>
+    </dgm:style>
+  </dgm:styleLbl>
+  <dgm:styleLbl name="revTx">
+    <dgm:scene3d>
+      <a:camera prst="orthographicFront"/>
+      <a:lightRig rig="threePt" dir="t"/>
+    </dgm:scene3d>
+    <dgm:sp3d/>
+    <dgm:txPr/>
+    <dgm:style>
+      <a:lnRef idx="0">
+        <a:scrgbClr r="0" g="0" b="0"/>
+      </a:lnRef>
+      <a:fillRef idx="0">
+        <a:scrgbClr r="0" g="0" b="0"/>
+      </a:fillRef>
+      <a:effectRef idx="0">
+        <a:scrgbClr r="0" g="0" b="0"/>
+      </a:effectRef>
+      <a:fontRef idx="minor"/>
+    </dgm:style>
+  </dgm:styleLbl>
+</dgm:styleDef>
 </file>
 
 <file path=ppt/slideLayouts/slideLayout1.xml><?xml version="1.0" encoding="utf-8"?>
@@ -3930,6 +7279,189 @@
 </p:sld>
 </file>
 
+<file path=ppt/slides/slide2.xml><?xml version="1.0" encoding="utf-8"?>
+<p:sld xmlns:a="http://schemas.openxmlformats.org/drawingml/2006/main" xmlns:r="http://schemas.openxmlformats.org/officeDocument/2006/relationships" xmlns:p="http://schemas.openxmlformats.org/presentationml/2006/main">
+  <p:cSld>
+    <p:bg>
+      <p:bgPr>
+        <a:solidFill>
+          <a:schemeClr val="bg1"/>
+        </a:solidFill>
+        <a:effectLst/>
+      </p:bgPr>
+    </p:bg>
+    <p:spTree>
+      <p:nvGrpSpPr>
+        <p:cNvPr id="1" name=""/>
+        <p:cNvGrpSpPr/>
+        <p:nvPr/>
+      </p:nvGrpSpPr>
+      <p:grpSpPr>
+        <a:xfrm>
+          <a:off x="0" y="0"/>
+          <a:ext cx="0" cy="0"/>
+          <a:chOff x="0" y="0"/>
+          <a:chExt cx="0" cy="0"/>
+        </a:xfrm>
+      </p:grpSpPr>
+      <p:sp>
+        <p:nvSpPr>
+          <p:cNvPr id="9" name="Rectangle 8">
+            <a:extLst>
+              <a:ext uri="{FF2B5EF4-FFF2-40B4-BE49-F238E27FC236}">
+                <a16:creationId xmlns:a16="http://schemas.microsoft.com/office/drawing/2014/main" id="{600DC1B0-7E1A-BD02-3F93-19E6B1B75075}"/>
+              </a:ext>
+              <a:ext uri="{C183D7F6-B498-43B3-948B-1728B52AA6E4}">
+                <adec:decorative xmlns:adec="http://schemas.microsoft.com/office/drawing/2017/decorative" val="1"/>
+              </a:ext>
+            </a:extLst>
+          </p:cNvPr>
+          <p:cNvSpPr>
+            <a:spLocks noGrp="1" noRot="1" noChangeAspect="1" noMove="1" noResize="1" noEditPoints="1" noAdjustHandles="1" noChangeArrowheads="1" noChangeShapeType="1" noTextEdit="1"/>
+          </p:cNvSpPr>
+          <p:nvPr>
+            <p:extLst>
+              <p:ext uri="{386F3935-93C4-4BCD-93E2-E3B085C9AB24}">
+                <p16:designElem xmlns:p16="http://schemas.microsoft.com/office/powerpoint/2015/main" val="1"/>
+              </p:ext>
+            </p:extLst>
+          </p:nvPr>
+        </p:nvSpPr>
+        <p:spPr>
+          <a:xfrm>
+            <a:off x="0" y="0"/>
+            <a:ext cx="12192000" cy="6858000"/>
+          </a:xfrm>
+          <a:prstGeom prst="rect">
+            <a:avLst/>
+          </a:prstGeom>
+          <a:solidFill>
+            <a:schemeClr val="bg1"/>
+          </a:solidFill>
+          <a:ln w="12700" cap="flat" cmpd="sng" algn="ctr">
+            <a:noFill/>
+            <a:prstDash val="solid"/>
+            <a:miter lim="800000"/>
+          </a:ln>
+          <a:effectLst/>
+          <a:extLst>
+            <a:ext uri="{91240B29-F687-4F45-9708-019B960494DF}">
+              <a14:hiddenLine xmlns:a14="http://schemas.microsoft.com/office/drawing/2010/main" w="12700" cap="flat" cmpd="sng" algn="ctr">
+                <a:solidFill>
+                  <a:schemeClr val="accent1">
+                    <a:shade val="15000"/>
+                  </a:schemeClr>
+                </a:solidFill>
+                <a:prstDash val="solid"/>
+                <a:miter lim="800000"/>
+              </a14:hiddenLine>
+            </a:ext>
+          </a:extLst>
+        </p:spPr>
+        <p:style>
+          <a:lnRef idx="2">
+            <a:schemeClr val="accent1">
+              <a:shade val="15000"/>
+            </a:schemeClr>
+          </a:lnRef>
+          <a:fillRef idx="1">
+            <a:schemeClr val="accent1"/>
+          </a:fillRef>
+          <a:effectRef idx="0">
+            <a:schemeClr val="accent1"/>
+          </a:effectRef>
+          <a:fontRef idx="minor">
+            <a:schemeClr val="lt1"/>
+          </a:fontRef>
+        </p:style>
+        <p:txBody>
+          <a:bodyPr rtlCol="0" anchor="ctr"/>
+          <a:lstStyle/>
+          <a:p>
+            <a:pPr algn="ctr"/>
+            <a:endParaRPr lang="en-US"/>
+          </a:p>
+        </p:txBody>
+      </p:sp>
+      <p:sp>
+        <p:nvSpPr>
+          <p:cNvPr id="2" name="Title 1">
+            <a:extLst>
+              <a:ext uri="{FF2B5EF4-FFF2-40B4-BE49-F238E27FC236}">
+                <a16:creationId xmlns:a16="http://schemas.microsoft.com/office/drawing/2014/main" id="{E1ED41E6-F678-ED53-3B68-B903C755B953}"/>
+              </a:ext>
+            </a:extLst>
+          </p:cNvPr>
+          <p:cNvSpPr>
+            <a:spLocks noGrp="1"/>
+          </p:cNvSpPr>
+          <p:nvPr>
+            <p:ph type="title"/>
+          </p:nvPr>
+        </p:nvSpPr>
+        <p:spPr>
+          <a:xfrm>
+            <a:off x="612649" y="548638"/>
+            <a:ext cx="3493008" cy="5788152"/>
+          </a:xfrm>
+        </p:spPr>
+        <p:txBody>
+          <a:bodyPr anchor="ctr">
+            <a:normAutofit/>
+          </a:bodyPr>
+          <a:lstStyle/>
+          <a:p>
+            <a:r>
+              <a:rPr lang="en-US" sz="4000"/>
+              <a:t>Key Points</a:t>
+            </a:r>
+          </a:p>
+        </p:txBody>
+      </p:sp>
+      <p:graphicFrame>
+        <p:nvGraphicFramePr>
+          <p:cNvPr id="5" name="Content Placeholder 2">
+            <a:extLst>
+              <a:ext uri="{FF2B5EF4-FFF2-40B4-BE49-F238E27FC236}">
+                <a16:creationId xmlns:a16="http://schemas.microsoft.com/office/drawing/2014/main" id="{F183C8E8-D3D6-CCA5-E926-D957ADC89252}"/>
+              </a:ext>
+            </a:extLst>
+          </p:cNvPr>
+          <p:cNvGraphicFramePr>
+            <a:graphicFrameLocks noGrp="1"/>
+          </p:cNvGraphicFramePr>
+          <p:nvPr>
+            <p:ph idx="1"/>
+            <p:extLst>
+              <p:ext uri="{D42A27DB-BD31-4B8C-83A1-F6EECF244321}">
+                <p14:modId xmlns:p14="http://schemas.microsoft.com/office/powerpoint/2010/main" val="2397605919"/>
+              </p:ext>
+            </p:extLst>
+          </p:nvPr>
+        </p:nvGraphicFramePr>
+        <p:xfrm>
+          <a:off x="4608246" y="548640"/>
+          <a:ext cx="6949440" cy="5786638"/>
+        </p:xfrm>
+        <a:graphic>
+          <a:graphicData uri="http://schemas.openxmlformats.org/drawingml/2006/diagram">
+            <dgm:relIds xmlns:dgm="http://schemas.openxmlformats.org/drawingml/2006/diagram" xmlns:r="http://schemas.openxmlformats.org/officeDocument/2006/relationships" r:dm="rId2" r:lo="rId3" r:qs="rId4" r:cs="rId5"/>
+          </a:graphicData>
+        </a:graphic>
+      </p:graphicFrame>
+    </p:spTree>
+    <p:extLst>
+      <p:ext uri="{BB962C8B-B14F-4D97-AF65-F5344CB8AC3E}">
+        <p14:creationId xmlns:p14="http://schemas.microsoft.com/office/powerpoint/2010/main" val="1999074259"/>
+      </p:ext>
+    </p:extLst>
+  </p:cSld>
+  <p:clrMapOvr>
+    <a:masterClrMapping/>
+  </p:clrMapOvr>
+</p:sld>
+</file>
+
 <file path=ppt/theme/theme1.xml><?xml version="1.0" encoding="utf-8"?>
 <a:theme xmlns:a="http://schemas.openxmlformats.org/drawingml/2006/main" name="Office Theme">
   <a:themeElements>
